--- a/WorkCase1.pptx
+++ b/WorkCase1.pptx
@@ -2,10 +2,14 @@
 <file path=ppt/presentation.xml><?xml version="1.0" encoding="utf-8"?>
 <p:presentation xmlns:a="http://schemas.openxmlformats.org/drawingml/2006/main" xmlns:r="http://schemas.openxmlformats.org/officeDocument/2006/relationships" xmlns:p="http://schemas.openxmlformats.org/presentationml/2006/main" saveSubsetFonts="1">
   <p:sldMasterIdLst>
-    <p:sldMasterId id="2147483648" r:id="rId1"/>
+    <p:sldMasterId id="2147483660" r:id="rId1"/>
   </p:sldMasterIdLst>
   <p:sldIdLst>
     <p:sldId id="256" r:id="rId2"/>
+    <p:sldId id="257" r:id="rId3"/>
+    <p:sldId id="258" r:id="rId4"/>
+    <p:sldId id="259" r:id="rId5"/>
+    <p:sldId id="260" r:id="rId6"/>
   </p:sldIdLst>
   <p:sldSz cx="9144000" cy="6858000" type="screen4x3"/>
   <p:notesSz cx="6858000" cy="9144000"/>
@@ -104,6 +108,22 @@
       </a:defRPr>
     </a:lvl9pPr>
   </p:defaultTextStyle>
+  <p:extLst>
+    <p:ext uri="{EFAFB233-063F-42B5-8137-9DF3F51BA10A}">
+      <p15:sldGuideLst xmlns:p15="http://schemas.microsoft.com/office/powerpoint/2012/main">
+        <p15:guide id="1" orient="horz" pos="2160">
+          <p15:clr>
+            <a:srgbClr val="A4A3A4"/>
+          </p15:clr>
+        </p15:guide>
+        <p15:guide id="2" pos="2880">
+          <p15:clr>
+            <a:srgbClr val="A4A3A4"/>
+          </p15:clr>
+        </p15:guide>
+      </p15:sldGuideLst>
+    </p:ext>
+  </p:extLst>
 </p:presentation>
 </file>
 
@@ -126,7 +146,13 @@
       </p:grpSpPr>
       <p:sp>
         <p:nvSpPr>
-          <p:cNvPr id="2" name="Заголовок 1"/>
+          <p:cNvPr id="2" name="Title 1">
+            <a:extLst>
+              <a:ext uri="{FF2B5EF4-FFF2-40B4-BE49-F238E27FC236}">
+                <a16:creationId xmlns:a16="http://schemas.microsoft.com/office/drawing/2014/main" xmlns="" id="{87BEE195-C105-0449-A9FB-2FE435DB0E4C}"/>
+              </a:ext>
+            </a:extLst>
+          </p:cNvPr>
           <p:cNvSpPr>
             <a:spLocks noGrp="1"/>
           </p:cNvSpPr>
@@ -136,25 +162,35 @@
         </p:nvSpPr>
         <p:spPr>
           <a:xfrm>
-            <a:off x="685800" y="2130425"/>
-            <a:ext cx="7772400" cy="1470025"/>
+            <a:off x="1143000" y="1122363"/>
+            <a:ext cx="6858000" cy="2387600"/>
           </a:xfrm>
         </p:spPr>
         <p:txBody>
-          <a:bodyPr/>
-          <a:lstStyle/>
+          <a:bodyPr anchor="b"/>
+          <a:lstStyle>
+            <a:lvl1pPr algn="ctr">
+              <a:defRPr sz="4500"/>
+            </a:lvl1pPr>
+          </a:lstStyle>
           <a:p>
             <a:r>
               <a:rPr lang="ru-RU" smtClean="0"/>
               <a:t>Образец заголовка</a:t>
             </a:r>
-            <a:endParaRPr lang="ru-RU"/>
-          </a:p>
-        </p:txBody>
-      </p:sp>
-      <p:sp>
-        <p:nvSpPr>
-          <p:cNvPr id="3" name="Подзаголовок 2"/>
+            <a:endParaRPr lang="x-none"/>
+          </a:p>
+        </p:txBody>
+      </p:sp>
+      <p:sp>
+        <p:nvSpPr>
+          <p:cNvPr id="3" name="Subtitle 2">
+            <a:extLst>
+              <a:ext uri="{FF2B5EF4-FFF2-40B4-BE49-F238E27FC236}">
+                <a16:creationId xmlns:a16="http://schemas.microsoft.com/office/drawing/2014/main" xmlns="" id="{BA8EB931-343D-8044-8637-4558C2C9538C}"/>
+              </a:ext>
+            </a:extLst>
+          </p:cNvPr>
           <p:cNvSpPr>
             <a:spLocks noGrp="1"/>
           </p:cNvSpPr>
@@ -164,8 +200,8 @@
         </p:nvSpPr>
         <p:spPr>
           <a:xfrm>
-            <a:off x="1371600" y="3886200"/>
-            <a:ext cx="6400800" cy="1752600"/>
+            <a:off x="1143000" y="3602038"/>
+            <a:ext cx="6858000" cy="1655762"/>
           </a:xfrm>
         </p:spPr>
         <p:txBody>
@@ -173,93 +209,39 @@
           <a:lstStyle>
             <a:lvl1pPr marL="0" indent="0" algn="ctr">
               <a:buNone/>
-              <a:defRPr>
-                <a:solidFill>
-                  <a:schemeClr val="tx1">
-                    <a:tint val="75000"/>
-                  </a:schemeClr>
-                </a:solidFill>
-              </a:defRPr>
+              <a:defRPr sz="1800"/>
             </a:lvl1pPr>
-            <a:lvl2pPr marL="457200" indent="0" algn="ctr">
-              <a:buNone/>
-              <a:defRPr>
-                <a:solidFill>
-                  <a:schemeClr val="tx1">
-                    <a:tint val="75000"/>
-                  </a:schemeClr>
-                </a:solidFill>
-              </a:defRPr>
+            <a:lvl2pPr marL="342900" indent="0" algn="ctr">
+              <a:buNone/>
+              <a:defRPr sz="1500"/>
             </a:lvl2pPr>
-            <a:lvl3pPr marL="914400" indent="0" algn="ctr">
-              <a:buNone/>
-              <a:defRPr>
-                <a:solidFill>
-                  <a:schemeClr val="tx1">
-                    <a:tint val="75000"/>
-                  </a:schemeClr>
-                </a:solidFill>
-              </a:defRPr>
+            <a:lvl3pPr marL="685800" indent="0" algn="ctr">
+              <a:buNone/>
+              <a:defRPr sz="1350"/>
             </a:lvl3pPr>
-            <a:lvl4pPr marL="1371600" indent="0" algn="ctr">
-              <a:buNone/>
-              <a:defRPr>
-                <a:solidFill>
-                  <a:schemeClr val="tx1">
-                    <a:tint val="75000"/>
-                  </a:schemeClr>
-                </a:solidFill>
-              </a:defRPr>
+            <a:lvl4pPr marL="1028700" indent="0" algn="ctr">
+              <a:buNone/>
+              <a:defRPr sz="1200"/>
             </a:lvl4pPr>
-            <a:lvl5pPr marL="1828800" indent="0" algn="ctr">
-              <a:buNone/>
-              <a:defRPr>
-                <a:solidFill>
-                  <a:schemeClr val="tx1">
-                    <a:tint val="75000"/>
-                  </a:schemeClr>
-                </a:solidFill>
-              </a:defRPr>
+            <a:lvl5pPr marL="1371600" indent="0" algn="ctr">
+              <a:buNone/>
+              <a:defRPr sz="1200"/>
             </a:lvl5pPr>
-            <a:lvl6pPr marL="2286000" indent="0" algn="ctr">
-              <a:buNone/>
-              <a:defRPr>
-                <a:solidFill>
-                  <a:schemeClr val="tx1">
-                    <a:tint val="75000"/>
-                  </a:schemeClr>
-                </a:solidFill>
-              </a:defRPr>
+            <a:lvl6pPr marL="1714500" indent="0" algn="ctr">
+              <a:buNone/>
+              <a:defRPr sz="1200"/>
             </a:lvl6pPr>
-            <a:lvl7pPr marL="2743200" indent="0" algn="ctr">
-              <a:buNone/>
-              <a:defRPr>
-                <a:solidFill>
-                  <a:schemeClr val="tx1">
-                    <a:tint val="75000"/>
-                  </a:schemeClr>
-                </a:solidFill>
-              </a:defRPr>
+            <a:lvl7pPr marL="2057400" indent="0" algn="ctr">
+              <a:buNone/>
+              <a:defRPr sz="1200"/>
             </a:lvl7pPr>
-            <a:lvl8pPr marL="3200400" indent="0" algn="ctr">
-              <a:buNone/>
-              <a:defRPr>
-                <a:solidFill>
-                  <a:schemeClr val="tx1">
-                    <a:tint val="75000"/>
-                  </a:schemeClr>
-                </a:solidFill>
-              </a:defRPr>
+            <a:lvl8pPr marL="2400300" indent="0" algn="ctr">
+              <a:buNone/>
+              <a:defRPr sz="1200"/>
             </a:lvl8pPr>
-            <a:lvl9pPr marL="3657600" indent="0" algn="ctr">
-              <a:buNone/>
-              <a:defRPr>
-                <a:solidFill>
-                  <a:schemeClr val="tx1">
-                    <a:tint val="75000"/>
-                  </a:schemeClr>
-                </a:solidFill>
-              </a:defRPr>
+            <a:lvl9pPr marL="2743200" indent="0" algn="ctr">
+              <a:buNone/>
+              <a:defRPr sz="1200"/>
             </a:lvl9pPr>
           </a:lstStyle>
           <a:p>
@@ -267,13 +249,19 @@
               <a:rPr lang="ru-RU" smtClean="0"/>
               <a:t>Образец подзаголовка</a:t>
             </a:r>
-            <a:endParaRPr lang="ru-RU"/>
-          </a:p>
-        </p:txBody>
-      </p:sp>
-      <p:sp>
-        <p:nvSpPr>
-          <p:cNvPr id="4" name="Дата 3"/>
+            <a:endParaRPr lang="x-none"/>
+          </a:p>
+        </p:txBody>
+      </p:sp>
+      <p:sp>
+        <p:nvSpPr>
+          <p:cNvPr id="4" name="Date Placeholder 3">
+            <a:extLst>
+              <a:ext uri="{FF2B5EF4-FFF2-40B4-BE49-F238E27FC236}">
+                <a16:creationId xmlns:a16="http://schemas.microsoft.com/office/drawing/2014/main" xmlns="" id="{EE5F8CB1-F1B8-9045-814C-D5CD93A01E5B}"/>
+              </a:ext>
+            </a:extLst>
+          </p:cNvPr>
           <p:cNvSpPr>
             <a:spLocks noGrp="1"/>
           </p:cNvSpPr>
@@ -296,7 +284,13 @@
       </p:sp>
       <p:sp>
         <p:nvSpPr>
-          <p:cNvPr id="5" name="Нижний колонтитул 4"/>
+          <p:cNvPr id="5" name="Footer Placeholder 4">
+            <a:extLst>
+              <a:ext uri="{FF2B5EF4-FFF2-40B4-BE49-F238E27FC236}">
+                <a16:creationId xmlns:a16="http://schemas.microsoft.com/office/drawing/2014/main" xmlns="" id="{3F12D01A-7743-A64D-A1EF-CCAE9495163F}"/>
+              </a:ext>
+            </a:extLst>
+          </p:cNvPr>
           <p:cNvSpPr>
             <a:spLocks noGrp="1"/>
           </p:cNvSpPr>
@@ -315,7 +309,13 @@
       </p:sp>
       <p:sp>
         <p:nvSpPr>
-          <p:cNvPr id="6" name="Номер слайда 5"/>
+          <p:cNvPr id="6" name="Slide Number Placeholder 5">
+            <a:extLst>
+              <a:ext uri="{FF2B5EF4-FFF2-40B4-BE49-F238E27FC236}">
+                <a16:creationId xmlns:a16="http://schemas.microsoft.com/office/drawing/2014/main" xmlns="" id="{0340F9D0-38CD-C648-B2C5-DC17F682EE02}"/>
+              </a:ext>
+            </a:extLst>
+          </p:cNvPr>
           <p:cNvSpPr>
             <a:spLocks noGrp="1"/>
           </p:cNvSpPr>
@@ -336,10 +336,40 @@
           </a:p>
         </p:txBody>
       </p:sp>
+      <p:pic>
+        <p:nvPicPr>
+          <p:cNvPr id="8" name="Picture 7">
+            <a:extLst>
+              <a:ext uri="{FF2B5EF4-FFF2-40B4-BE49-F238E27FC236}">
+                <a16:creationId xmlns:a16="http://schemas.microsoft.com/office/drawing/2014/main" xmlns="" id="{587605B8-375F-1843-BF1B-A07EAA3025C6}"/>
+              </a:ext>
+            </a:extLst>
+          </p:cNvPr>
+          <p:cNvPicPr>
+            <a:picLocks noChangeAspect="1"/>
+          </p:cNvPicPr>
+          <p:nvPr/>
+        </p:nvPicPr>
+        <p:blipFill>
+          <a:blip r:embed="rId2"/>
+          <a:stretch>
+            <a:fillRect/>
+          </a:stretch>
+        </p:blipFill>
+        <p:spPr>
+          <a:xfrm>
+            <a:off x="0" y="0"/>
+            <a:ext cx="9144000" cy="6858000"/>
+          </a:xfrm>
+          <a:prstGeom prst="rect">
+            <a:avLst/>
+          </a:prstGeom>
+        </p:spPr>
+      </p:pic>
     </p:spTree>
     <p:extLst>
       <p:ext uri="{BB962C8B-B14F-4D97-AF65-F5344CB8AC3E}">
-        <p14:creationId xmlns:p14="http://schemas.microsoft.com/office/powerpoint/2010/main" val="3688555713"/>
+        <p14:creationId xmlns:p14="http://schemas.microsoft.com/office/powerpoint/2010/main" val="778979688"/>
       </p:ext>
     </p:extLst>
   </p:cSld>
@@ -368,7 +398,13 @@
       </p:grpSpPr>
       <p:sp>
         <p:nvSpPr>
-          <p:cNvPr id="2" name="Заголовок 1"/>
+          <p:cNvPr id="2" name="Title 1">
+            <a:extLst>
+              <a:ext uri="{FF2B5EF4-FFF2-40B4-BE49-F238E27FC236}">
+                <a16:creationId xmlns:a16="http://schemas.microsoft.com/office/drawing/2014/main" xmlns="" id="{917AA562-1123-6F4D-AC96-517024E7B1B1}"/>
+              </a:ext>
+            </a:extLst>
+          </p:cNvPr>
           <p:cNvSpPr>
             <a:spLocks noGrp="1"/>
           </p:cNvSpPr>
@@ -385,13 +421,19 @@
               <a:rPr lang="ru-RU" smtClean="0"/>
               <a:t>Образец заголовка</a:t>
             </a:r>
-            <a:endParaRPr lang="ru-RU"/>
-          </a:p>
-        </p:txBody>
-      </p:sp>
-      <p:sp>
-        <p:nvSpPr>
-          <p:cNvPr id="3" name="Вертикальный текст 2"/>
+            <a:endParaRPr lang="x-none"/>
+          </a:p>
+        </p:txBody>
+      </p:sp>
+      <p:sp>
+        <p:nvSpPr>
+          <p:cNvPr id="3" name="Vertical Text Placeholder 2">
+            <a:extLst>
+              <a:ext uri="{FF2B5EF4-FFF2-40B4-BE49-F238E27FC236}">
+                <a16:creationId xmlns:a16="http://schemas.microsoft.com/office/drawing/2014/main" xmlns="" id="{23B56592-0C8C-E347-A1F7-BBE55772435F}"/>
+              </a:ext>
+            </a:extLst>
+          </p:cNvPr>
           <p:cNvSpPr>
             <a:spLocks noGrp="1"/>
           </p:cNvSpPr>
@@ -437,13 +479,19 @@
               <a:rPr lang="ru-RU" smtClean="0"/>
               <a:t>Пятый уровень</a:t>
             </a:r>
-            <a:endParaRPr lang="ru-RU"/>
-          </a:p>
-        </p:txBody>
-      </p:sp>
-      <p:sp>
-        <p:nvSpPr>
-          <p:cNvPr id="4" name="Дата 3"/>
+            <a:endParaRPr lang="x-none"/>
+          </a:p>
+        </p:txBody>
+      </p:sp>
+      <p:sp>
+        <p:nvSpPr>
+          <p:cNvPr id="4" name="Date Placeholder 3">
+            <a:extLst>
+              <a:ext uri="{FF2B5EF4-FFF2-40B4-BE49-F238E27FC236}">
+                <a16:creationId xmlns:a16="http://schemas.microsoft.com/office/drawing/2014/main" xmlns="" id="{8D7726ED-B77B-664D-A274-7A7CCD027D8B}"/>
+              </a:ext>
+            </a:extLst>
+          </p:cNvPr>
           <p:cNvSpPr>
             <a:spLocks noGrp="1"/>
           </p:cNvSpPr>
@@ -466,7 +514,13 @@
       </p:sp>
       <p:sp>
         <p:nvSpPr>
-          <p:cNvPr id="5" name="Нижний колонтитул 4"/>
+          <p:cNvPr id="5" name="Footer Placeholder 4">
+            <a:extLst>
+              <a:ext uri="{FF2B5EF4-FFF2-40B4-BE49-F238E27FC236}">
+                <a16:creationId xmlns:a16="http://schemas.microsoft.com/office/drawing/2014/main" xmlns="" id="{FE30090F-1151-164B-AAF9-4EFBDE029446}"/>
+              </a:ext>
+            </a:extLst>
+          </p:cNvPr>
           <p:cNvSpPr>
             <a:spLocks noGrp="1"/>
           </p:cNvSpPr>
@@ -485,7 +539,13 @@
       </p:sp>
       <p:sp>
         <p:nvSpPr>
-          <p:cNvPr id="6" name="Номер слайда 5"/>
+          <p:cNvPr id="6" name="Slide Number Placeholder 5">
+            <a:extLst>
+              <a:ext uri="{FF2B5EF4-FFF2-40B4-BE49-F238E27FC236}">
+                <a16:creationId xmlns:a16="http://schemas.microsoft.com/office/drawing/2014/main" xmlns="" id="{EAB4D58B-919E-534A-A566-5A5D109BAF22}"/>
+              </a:ext>
+            </a:extLst>
+          </p:cNvPr>
           <p:cNvSpPr>
             <a:spLocks noGrp="1"/>
           </p:cNvSpPr>
@@ -509,7 +569,7 @@
     </p:spTree>
     <p:extLst>
       <p:ext uri="{BB962C8B-B14F-4D97-AF65-F5344CB8AC3E}">
-        <p14:creationId xmlns:p14="http://schemas.microsoft.com/office/powerpoint/2010/main" val="3013512191"/>
+        <p14:creationId xmlns:p14="http://schemas.microsoft.com/office/powerpoint/2010/main" val="955892046"/>
       </p:ext>
     </p:extLst>
   </p:cSld>
@@ -538,7 +598,13 @@
       </p:grpSpPr>
       <p:sp>
         <p:nvSpPr>
-          <p:cNvPr id="2" name="Вертикальный заголовок 1"/>
+          <p:cNvPr id="2" name="Vertical Title 1">
+            <a:extLst>
+              <a:ext uri="{FF2B5EF4-FFF2-40B4-BE49-F238E27FC236}">
+                <a16:creationId xmlns:a16="http://schemas.microsoft.com/office/drawing/2014/main" xmlns="" id="{3F36DDF1-F418-BB4A-8652-DF89E154964B}"/>
+              </a:ext>
+            </a:extLst>
+          </p:cNvPr>
           <p:cNvSpPr>
             <a:spLocks noGrp="1"/>
           </p:cNvSpPr>
@@ -548,8 +614,8 @@
         </p:nvSpPr>
         <p:spPr>
           <a:xfrm>
-            <a:off x="6629400" y="274638"/>
-            <a:ext cx="2057400" cy="5851525"/>
+            <a:off x="6543675" y="365125"/>
+            <a:ext cx="1971675" cy="5811838"/>
           </a:xfrm>
         </p:spPr>
         <p:txBody>
@@ -560,13 +626,19 @@
               <a:rPr lang="ru-RU" smtClean="0"/>
               <a:t>Образец заголовка</a:t>
             </a:r>
-            <a:endParaRPr lang="ru-RU"/>
-          </a:p>
-        </p:txBody>
-      </p:sp>
-      <p:sp>
-        <p:nvSpPr>
-          <p:cNvPr id="3" name="Вертикальный текст 2"/>
+            <a:endParaRPr lang="x-none"/>
+          </a:p>
+        </p:txBody>
+      </p:sp>
+      <p:sp>
+        <p:nvSpPr>
+          <p:cNvPr id="3" name="Vertical Text Placeholder 2">
+            <a:extLst>
+              <a:ext uri="{FF2B5EF4-FFF2-40B4-BE49-F238E27FC236}">
+                <a16:creationId xmlns:a16="http://schemas.microsoft.com/office/drawing/2014/main" xmlns="" id="{59E161D4-679C-534E-B18C-1B81BCF222E7}"/>
+              </a:ext>
+            </a:extLst>
+          </p:cNvPr>
           <p:cNvSpPr>
             <a:spLocks noGrp="1"/>
           </p:cNvSpPr>
@@ -576,8 +648,8 @@
         </p:nvSpPr>
         <p:spPr>
           <a:xfrm>
-            <a:off x="457200" y="274638"/>
-            <a:ext cx="6019800" cy="5851525"/>
+            <a:off x="628650" y="365125"/>
+            <a:ext cx="5800725" cy="5811838"/>
           </a:xfrm>
         </p:spPr>
         <p:txBody>
@@ -617,13 +689,19 @@
               <a:rPr lang="ru-RU" smtClean="0"/>
               <a:t>Пятый уровень</a:t>
             </a:r>
-            <a:endParaRPr lang="ru-RU"/>
-          </a:p>
-        </p:txBody>
-      </p:sp>
-      <p:sp>
-        <p:nvSpPr>
-          <p:cNvPr id="4" name="Дата 3"/>
+            <a:endParaRPr lang="x-none"/>
+          </a:p>
+        </p:txBody>
+      </p:sp>
+      <p:sp>
+        <p:nvSpPr>
+          <p:cNvPr id="4" name="Date Placeholder 3">
+            <a:extLst>
+              <a:ext uri="{FF2B5EF4-FFF2-40B4-BE49-F238E27FC236}">
+                <a16:creationId xmlns:a16="http://schemas.microsoft.com/office/drawing/2014/main" xmlns="" id="{5BF33A01-0B81-2D43-B649-2836A589E626}"/>
+              </a:ext>
+            </a:extLst>
+          </p:cNvPr>
           <p:cNvSpPr>
             <a:spLocks noGrp="1"/>
           </p:cNvSpPr>
@@ -646,7 +724,13 @@
       </p:sp>
       <p:sp>
         <p:nvSpPr>
-          <p:cNvPr id="5" name="Нижний колонтитул 4"/>
+          <p:cNvPr id="5" name="Footer Placeholder 4">
+            <a:extLst>
+              <a:ext uri="{FF2B5EF4-FFF2-40B4-BE49-F238E27FC236}">
+                <a16:creationId xmlns:a16="http://schemas.microsoft.com/office/drawing/2014/main" xmlns="" id="{B328EBEE-2952-2D46-8D62-815BF5F9AF4F}"/>
+              </a:ext>
+            </a:extLst>
+          </p:cNvPr>
           <p:cNvSpPr>
             <a:spLocks noGrp="1"/>
           </p:cNvSpPr>
@@ -665,7 +749,13 @@
       </p:sp>
       <p:sp>
         <p:nvSpPr>
-          <p:cNvPr id="6" name="Номер слайда 5"/>
+          <p:cNvPr id="6" name="Slide Number Placeholder 5">
+            <a:extLst>
+              <a:ext uri="{FF2B5EF4-FFF2-40B4-BE49-F238E27FC236}">
+                <a16:creationId xmlns:a16="http://schemas.microsoft.com/office/drawing/2014/main" xmlns="" id="{2B5146B3-25DA-E540-AF7E-0FFD25E8E233}"/>
+              </a:ext>
+            </a:extLst>
+          </p:cNvPr>
           <p:cNvSpPr>
             <a:spLocks noGrp="1"/>
           </p:cNvSpPr>
@@ -689,7 +779,7 @@
     </p:spTree>
     <p:extLst>
       <p:ext uri="{BB962C8B-B14F-4D97-AF65-F5344CB8AC3E}">
-        <p14:creationId xmlns:p14="http://schemas.microsoft.com/office/powerpoint/2010/main" val="3773405189"/>
+        <p14:creationId xmlns:p14="http://schemas.microsoft.com/office/powerpoint/2010/main" val="3201958338"/>
       </p:ext>
     </p:extLst>
   </p:cSld>
@@ -718,7 +808,13 @@
       </p:grpSpPr>
       <p:sp>
         <p:nvSpPr>
-          <p:cNvPr id="2" name="Заголовок 1"/>
+          <p:cNvPr id="2" name="Title 1">
+            <a:extLst>
+              <a:ext uri="{FF2B5EF4-FFF2-40B4-BE49-F238E27FC236}">
+                <a16:creationId xmlns:a16="http://schemas.microsoft.com/office/drawing/2014/main" xmlns="" id="{A4CEEB7E-2DBD-F946-A1A5-C366275F409B}"/>
+              </a:ext>
+            </a:extLst>
+          </p:cNvPr>
           <p:cNvSpPr>
             <a:spLocks noGrp="1"/>
           </p:cNvSpPr>
@@ -735,13 +831,19 @@
               <a:rPr lang="ru-RU" smtClean="0"/>
               <a:t>Образец заголовка</a:t>
             </a:r>
-            <a:endParaRPr lang="ru-RU"/>
-          </a:p>
-        </p:txBody>
-      </p:sp>
-      <p:sp>
-        <p:nvSpPr>
-          <p:cNvPr id="3" name="Объект 2"/>
+            <a:endParaRPr lang="x-none"/>
+          </a:p>
+        </p:txBody>
+      </p:sp>
+      <p:sp>
+        <p:nvSpPr>
+          <p:cNvPr id="3" name="Content Placeholder 2">
+            <a:extLst>
+              <a:ext uri="{FF2B5EF4-FFF2-40B4-BE49-F238E27FC236}">
+                <a16:creationId xmlns:a16="http://schemas.microsoft.com/office/drawing/2014/main" xmlns="" id="{9D6432A4-B009-7042-A240-007D64F3E482}"/>
+              </a:ext>
+            </a:extLst>
+          </p:cNvPr>
           <p:cNvSpPr>
             <a:spLocks noGrp="1"/>
           </p:cNvSpPr>
@@ -787,13 +889,19 @@
               <a:rPr lang="ru-RU" smtClean="0"/>
               <a:t>Пятый уровень</a:t>
             </a:r>
-            <a:endParaRPr lang="ru-RU"/>
-          </a:p>
-        </p:txBody>
-      </p:sp>
-      <p:sp>
-        <p:nvSpPr>
-          <p:cNvPr id="4" name="Дата 3"/>
+            <a:endParaRPr lang="x-none"/>
+          </a:p>
+        </p:txBody>
+      </p:sp>
+      <p:sp>
+        <p:nvSpPr>
+          <p:cNvPr id="4" name="Date Placeholder 3">
+            <a:extLst>
+              <a:ext uri="{FF2B5EF4-FFF2-40B4-BE49-F238E27FC236}">
+                <a16:creationId xmlns:a16="http://schemas.microsoft.com/office/drawing/2014/main" xmlns="" id="{8BE63B0C-D58B-0945-9A07-0C271DF8C6D4}"/>
+              </a:ext>
+            </a:extLst>
+          </p:cNvPr>
           <p:cNvSpPr>
             <a:spLocks noGrp="1"/>
           </p:cNvSpPr>
@@ -816,7 +924,13 @@
       </p:sp>
       <p:sp>
         <p:nvSpPr>
-          <p:cNvPr id="5" name="Нижний колонтитул 4"/>
+          <p:cNvPr id="5" name="Footer Placeholder 4">
+            <a:extLst>
+              <a:ext uri="{FF2B5EF4-FFF2-40B4-BE49-F238E27FC236}">
+                <a16:creationId xmlns:a16="http://schemas.microsoft.com/office/drawing/2014/main" xmlns="" id="{E891B56A-D44E-AD49-8D86-2114B8A1BAF1}"/>
+              </a:ext>
+            </a:extLst>
+          </p:cNvPr>
           <p:cNvSpPr>
             <a:spLocks noGrp="1"/>
           </p:cNvSpPr>
@@ -835,7 +949,13 @@
       </p:sp>
       <p:sp>
         <p:nvSpPr>
-          <p:cNvPr id="6" name="Номер слайда 5"/>
+          <p:cNvPr id="6" name="Slide Number Placeholder 5">
+            <a:extLst>
+              <a:ext uri="{FF2B5EF4-FFF2-40B4-BE49-F238E27FC236}">
+                <a16:creationId xmlns:a16="http://schemas.microsoft.com/office/drawing/2014/main" xmlns="" id="{A95A6A71-91DF-A745-B741-69EC0D9893E7}"/>
+              </a:ext>
+            </a:extLst>
+          </p:cNvPr>
           <p:cNvSpPr>
             <a:spLocks noGrp="1"/>
           </p:cNvSpPr>
@@ -859,7 +979,7 @@
     </p:spTree>
     <p:extLst>
       <p:ext uri="{BB962C8B-B14F-4D97-AF65-F5344CB8AC3E}">
-        <p14:creationId xmlns:p14="http://schemas.microsoft.com/office/powerpoint/2010/main" val="1910129620"/>
+        <p14:creationId xmlns:p14="http://schemas.microsoft.com/office/powerpoint/2010/main" val="2433300189"/>
       </p:ext>
     </p:extLst>
   </p:cSld>
@@ -888,7 +1008,13 @@
       </p:grpSpPr>
       <p:sp>
         <p:nvSpPr>
-          <p:cNvPr id="2" name="Заголовок 1"/>
+          <p:cNvPr id="2" name="Title 1">
+            <a:extLst>
+              <a:ext uri="{FF2B5EF4-FFF2-40B4-BE49-F238E27FC236}">
+                <a16:creationId xmlns:a16="http://schemas.microsoft.com/office/drawing/2014/main" xmlns="" id="{40D5499E-A806-E44C-9B98-0CFFCD8CE50D}"/>
+              </a:ext>
+            </a:extLst>
+          </p:cNvPr>
           <p:cNvSpPr>
             <a:spLocks noGrp="1"/>
           </p:cNvSpPr>
@@ -898,15 +1024,15 @@
         </p:nvSpPr>
         <p:spPr>
           <a:xfrm>
-            <a:off x="722313" y="4406900"/>
-            <a:ext cx="7772400" cy="1362075"/>
+            <a:off x="623888" y="1709739"/>
+            <a:ext cx="7886700" cy="2852737"/>
           </a:xfrm>
         </p:spPr>
         <p:txBody>
-          <a:bodyPr anchor="t"/>
+          <a:bodyPr anchor="b"/>
           <a:lstStyle>
-            <a:lvl1pPr algn="l">
-              <a:defRPr sz="4000" b="1" cap="all"/>
+            <a:lvl1pPr>
+              <a:defRPr sz="4500"/>
             </a:lvl1pPr>
           </a:lstStyle>
           <a:p>
@@ -914,13 +1040,19 @@
               <a:rPr lang="ru-RU" smtClean="0"/>
               <a:t>Образец заголовка</a:t>
             </a:r>
-            <a:endParaRPr lang="ru-RU"/>
-          </a:p>
-        </p:txBody>
-      </p:sp>
-      <p:sp>
-        <p:nvSpPr>
-          <p:cNvPr id="3" name="Текст 2"/>
+            <a:endParaRPr lang="x-none"/>
+          </a:p>
+        </p:txBody>
+      </p:sp>
+      <p:sp>
+        <p:nvSpPr>
+          <p:cNvPr id="3" name="Text Placeholder 2">
+            <a:extLst>
+              <a:ext uri="{FF2B5EF4-FFF2-40B4-BE49-F238E27FC236}">
+                <a16:creationId xmlns:a16="http://schemas.microsoft.com/office/drawing/2014/main" xmlns="" id="{45DD87B9-888E-1A4F-8C17-F74D37F494A5}"/>
+              </a:ext>
+            </a:extLst>
+          </p:cNvPr>
           <p:cNvSpPr>
             <a:spLocks noGrp="1"/>
           </p:cNvSpPr>
@@ -930,16 +1062,16 @@
         </p:nvSpPr>
         <p:spPr>
           <a:xfrm>
-            <a:off x="722313" y="2906713"/>
-            <a:ext cx="7772400" cy="1500187"/>
+            <a:off x="623888" y="4589464"/>
+            <a:ext cx="7886700" cy="1500187"/>
           </a:xfrm>
         </p:spPr>
         <p:txBody>
-          <a:bodyPr anchor="b"/>
+          <a:bodyPr/>
           <a:lstStyle>
             <a:lvl1pPr marL="0" indent="0">
               <a:buNone/>
-              <a:defRPr sz="2000">
+              <a:defRPr sz="1800">
                 <a:solidFill>
                   <a:schemeClr val="tx1">
                     <a:tint val="75000"/>
@@ -947,9 +1079,9 @@
                 </a:solidFill>
               </a:defRPr>
             </a:lvl1pPr>
-            <a:lvl2pPr marL="457200" indent="0">
-              <a:buNone/>
-              <a:defRPr sz="1800">
+            <a:lvl2pPr marL="342900" indent="0">
+              <a:buNone/>
+              <a:defRPr sz="1500">
                 <a:solidFill>
                   <a:schemeClr val="tx1">
                     <a:tint val="75000"/>
@@ -957,9 +1089,9 @@
                 </a:solidFill>
               </a:defRPr>
             </a:lvl2pPr>
-            <a:lvl3pPr marL="914400" indent="0">
-              <a:buNone/>
-              <a:defRPr sz="1600">
+            <a:lvl3pPr marL="685800" indent="0">
+              <a:buNone/>
+              <a:defRPr sz="1350">
                 <a:solidFill>
                   <a:schemeClr val="tx1">
                     <a:tint val="75000"/>
@@ -967,9 +1099,9 @@
                 </a:solidFill>
               </a:defRPr>
             </a:lvl3pPr>
-            <a:lvl4pPr marL="1371600" indent="0">
-              <a:buNone/>
-              <a:defRPr sz="1400">
+            <a:lvl4pPr marL="1028700" indent="0">
+              <a:buNone/>
+              <a:defRPr sz="1200">
                 <a:solidFill>
                   <a:schemeClr val="tx1">
                     <a:tint val="75000"/>
@@ -977,9 +1109,9 @@
                 </a:solidFill>
               </a:defRPr>
             </a:lvl4pPr>
-            <a:lvl5pPr marL="1828800" indent="0">
-              <a:buNone/>
-              <a:defRPr sz="1400">
+            <a:lvl5pPr marL="1371600" indent="0">
+              <a:buNone/>
+              <a:defRPr sz="1200">
                 <a:solidFill>
                   <a:schemeClr val="tx1">
                     <a:tint val="75000"/>
@@ -987,9 +1119,9 @@
                 </a:solidFill>
               </a:defRPr>
             </a:lvl5pPr>
-            <a:lvl6pPr marL="2286000" indent="0">
-              <a:buNone/>
-              <a:defRPr sz="1400">
+            <a:lvl6pPr marL="1714500" indent="0">
+              <a:buNone/>
+              <a:defRPr sz="1200">
                 <a:solidFill>
                   <a:schemeClr val="tx1">
                     <a:tint val="75000"/>
@@ -997,9 +1129,9 @@
                 </a:solidFill>
               </a:defRPr>
             </a:lvl6pPr>
-            <a:lvl7pPr marL="2743200" indent="0">
-              <a:buNone/>
-              <a:defRPr sz="1400">
+            <a:lvl7pPr marL="2057400" indent="0">
+              <a:buNone/>
+              <a:defRPr sz="1200">
                 <a:solidFill>
                   <a:schemeClr val="tx1">
                     <a:tint val="75000"/>
@@ -1007,9 +1139,9 @@
                 </a:solidFill>
               </a:defRPr>
             </a:lvl7pPr>
-            <a:lvl8pPr marL="3200400" indent="0">
-              <a:buNone/>
-              <a:defRPr sz="1400">
+            <a:lvl8pPr marL="2400300" indent="0">
+              <a:buNone/>
+              <a:defRPr sz="1200">
                 <a:solidFill>
                   <a:schemeClr val="tx1">
                     <a:tint val="75000"/>
@@ -1017,9 +1149,9 @@
                 </a:solidFill>
               </a:defRPr>
             </a:lvl8pPr>
-            <a:lvl9pPr marL="3657600" indent="0">
-              <a:buNone/>
-              <a:defRPr sz="1400">
+            <a:lvl9pPr marL="2743200" indent="0">
+              <a:buNone/>
+              <a:defRPr sz="1200">
                 <a:solidFill>
                   <a:schemeClr val="tx1">
                     <a:tint val="75000"/>
@@ -1039,7 +1171,13 @@
       </p:sp>
       <p:sp>
         <p:nvSpPr>
-          <p:cNvPr id="4" name="Дата 3"/>
+          <p:cNvPr id="4" name="Date Placeholder 3">
+            <a:extLst>
+              <a:ext uri="{FF2B5EF4-FFF2-40B4-BE49-F238E27FC236}">
+                <a16:creationId xmlns:a16="http://schemas.microsoft.com/office/drawing/2014/main" xmlns="" id="{C16AA31F-6BB4-8440-9118-4B339681D5FE}"/>
+              </a:ext>
+            </a:extLst>
+          </p:cNvPr>
           <p:cNvSpPr>
             <a:spLocks noGrp="1"/>
           </p:cNvSpPr>
@@ -1062,7 +1200,13 @@
       </p:sp>
       <p:sp>
         <p:nvSpPr>
-          <p:cNvPr id="5" name="Нижний колонтитул 4"/>
+          <p:cNvPr id="5" name="Footer Placeholder 4">
+            <a:extLst>
+              <a:ext uri="{FF2B5EF4-FFF2-40B4-BE49-F238E27FC236}">
+                <a16:creationId xmlns:a16="http://schemas.microsoft.com/office/drawing/2014/main" xmlns="" id="{31F0AB5D-1641-0F43-BC12-1DC63241D665}"/>
+              </a:ext>
+            </a:extLst>
+          </p:cNvPr>
           <p:cNvSpPr>
             <a:spLocks noGrp="1"/>
           </p:cNvSpPr>
@@ -1081,7 +1225,13 @@
       </p:sp>
       <p:sp>
         <p:nvSpPr>
-          <p:cNvPr id="6" name="Номер слайда 5"/>
+          <p:cNvPr id="6" name="Slide Number Placeholder 5">
+            <a:extLst>
+              <a:ext uri="{FF2B5EF4-FFF2-40B4-BE49-F238E27FC236}">
+                <a16:creationId xmlns:a16="http://schemas.microsoft.com/office/drawing/2014/main" xmlns="" id="{0AA0029A-420E-BA4C-8DC2-8D2221E60350}"/>
+              </a:ext>
+            </a:extLst>
+          </p:cNvPr>
           <p:cNvSpPr>
             <a:spLocks noGrp="1"/>
           </p:cNvSpPr>
@@ -1105,7 +1255,7 @@
     </p:spTree>
     <p:extLst>
       <p:ext uri="{BB962C8B-B14F-4D97-AF65-F5344CB8AC3E}">
-        <p14:creationId xmlns:p14="http://schemas.microsoft.com/office/powerpoint/2010/main" val="3870392842"/>
+        <p14:creationId xmlns:p14="http://schemas.microsoft.com/office/powerpoint/2010/main" val="2476563982"/>
       </p:ext>
     </p:extLst>
   </p:cSld>
@@ -1134,7 +1284,13 @@
       </p:grpSpPr>
       <p:sp>
         <p:nvSpPr>
-          <p:cNvPr id="2" name="Заголовок 1"/>
+          <p:cNvPr id="2" name="Title 1">
+            <a:extLst>
+              <a:ext uri="{FF2B5EF4-FFF2-40B4-BE49-F238E27FC236}">
+                <a16:creationId xmlns:a16="http://schemas.microsoft.com/office/drawing/2014/main" xmlns="" id="{C692F40C-AD01-884C-B005-610B0E8E03D2}"/>
+              </a:ext>
+            </a:extLst>
+          </p:cNvPr>
           <p:cNvSpPr>
             <a:spLocks noGrp="1"/>
           </p:cNvSpPr>
@@ -1151,13 +1307,19 @@
               <a:rPr lang="ru-RU" smtClean="0"/>
               <a:t>Образец заголовка</a:t>
             </a:r>
-            <a:endParaRPr lang="ru-RU"/>
-          </a:p>
-        </p:txBody>
-      </p:sp>
-      <p:sp>
-        <p:nvSpPr>
-          <p:cNvPr id="3" name="Объект 2"/>
+            <a:endParaRPr lang="x-none"/>
+          </a:p>
+        </p:txBody>
+      </p:sp>
+      <p:sp>
+        <p:nvSpPr>
+          <p:cNvPr id="3" name="Content Placeholder 2">
+            <a:extLst>
+              <a:ext uri="{FF2B5EF4-FFF2-40B4-BE49-F238E27FC236}">
+                <a16:creationId xmlns:a16="http://schemas.microsoft.com/office/drawing/2014/main" xmlns="" id="{A3515A58-27AC-2843-AA89-66B8B25009BC}"/>
+              </a:ext>
+            </a:extLst>
+          </p:cNvPr>
           <p:cNvSpPr>
             <a:spLocks noGrp="1"/>
           </p:cNvSpPr>
@@ -1167,41 +1329,13 @@
         </p:nvSpPr>
         <p:spPr>
           <a:xfrm>
-            <a:off x="457200" y="1600200"/>
-            <a:ext cx="4038600" cy="4525963"/>
+            <a:off x="628650" y="1825625"/>
+            <a:ext cx="3886200" cy="4351338"/>
           </a:xfrm>
         </p:spPr>
         <p:txBody>
           <a:bodyPr/>
-          <a:lstStyle>
-            <a:lvl1pPr>
-              <a:defRPr sz="2800"/>
-            </a:lvl1pPr>
-            <a:lvl2pPr>
-              <a:defRPr sz="2400"/>
-            </a:lvl2pPr>
-            <a:lvl3pPr>
-              <a:defRPr sz="2000"/>
-            </a:lvl3pPr>
-            <a:lvl4pPr>
-              <a:defRPr sz="1800"/>
-            </a:lvl4pPr>
-            <a:lvl5pPr>
-              <a:defRPr sz="1800"/>
-            </a:lvl5pPr>
-            <a:lvl6pPr>
-              <a:defRPr sz="1800"/>
-            </a:lvl6pPr>
-            <a:lvl7pPr>
-              <a:defRPr sz="1800"/>
-            </a:lvl7pPr>
-            <a:lvl8pPr>
-              <a:defRPr sz="1800"/>
-            </a:lvl8pPr>
-            <a:lvl9pPr>
-              <a:defRPr sz="1800"/>
-            </a:lvl9pPr>
-          </a:lstStyle>
+          <a:lstStyle/>
           <a:p>
             <a:pPr lvl="0"/>
             <a:r>
@@ -1236,13 +1370,19 @@
               <a:rPr lang="ru-RU" smtClean="0"/>
               <a:t>Пятый уровень</a:t>
             </a:r>
-            <a:endParaRPr lang="ru-RU"/>
-          </a:p>
-        </p:txBody>
-      </p:sp>
-      <p:sp>
-        <p:nvSpPr>
-          <p:cNvPr id="4" name="Объект 3"/>
+            <a:endParaRPr lang="x-none"/>
+          </a:p>
+        </p:txBody>
+      </p:sp>
+      <p:sp>
+        <p:nvSpPr>
+          <p:cNvPr id="4" name="Content Placeholder 3">
+            <a:extLst>
+              <a:ext uri="{FF2B5EF4-FFF2-40B4-BE49-F238E27FC236}">
+                <a16:creationId xmlns:a16="http://schemas.microsoft.com/office/drawing/2014/main" xmlns="" id="{7147D573-63D4-8F44-A1C0-FCD71D515B06}"/>
+              </a:ext>
+            </a:extLst>
+          </p:cNvPr>
           <p:cNvSpPr>
             <a:spLocks noGrp="1"/>
           </p:cNvSpPr>
@@ -1252,41 +1392,13 @@
         </p:nvSpPr>
         <p:spPr>
           <a:xfrm>
-            <a:off x="4648200" y="1600200"/>
-            <a:ext cx="4038600" cy="4525963"/>
+            <a:off x="4629150" y="1825625"/>
+            <a:ext cx="3886200" cy="4351338"/>
           </a:xfrm>
         </p:spPr>
         <p:txBody>
           <a:bodyPr/>
-          <a:lstStyle>
-            <a:lvl1pPr>
-              <a:defRPr sz="2800"/>
-            </a:lvl1pPr>
-            <a:lvl2pPr>
-              <a:defRPr sz="2400"/>
-            </a:lvl2pPr>
-            <a:lvl3pPr>
-              <a:defRPr sz="2000"/>
-            </a:lvl3pPr>
-            <a:lvl4pPr>
-              <a:defRPr sz="1800"/>
-            </a:lvl4pPr>
-            <a:lvl5pPr>
-              <a:defRPr sz="1800"/>
-            </a:lvl5pPr>
-            <a:lvl6pPr>
-              <a:defRPr sz="1800"/>
-            </a:lvl6pPr>
-            <a:lvl7pPr>
-              <a:defRPr sz="1800"/>
-            </a:lvl7pPr>
-            <a:lvl8pPr>
-              <a:defRPr sz="1800"/>
-            </a:lvl8pPr>
-            <a:lvl9pPr>
-              <a:defRPr sz="1800"/>
-            </a:lvl9pPr>
-          </a:lstStyle>
+          <a:lstStyle/>
           <a:p>
             <a:pPr lvl="0"/>
             <a:r>
@@ -1321,13 +1433,19 @@
               <a:rPr lang="ru-RU" smtClean="0"/>
               <a:t>Пятый уровень</a:t>
             </a:r>
-            <a:endParaRPr lang="ru-RU"/>
-          </a:p>
-        </p:txBody>
-      </p:sp>
-      <p:sp>
-        <p:nvSpPr>
-          <p:cNvPr id="5" name="Дата 4"/>
+            <a:endParaRPr lang="x-none"/>
+          </a:p>
+        </p:txBody>
+      </p:sp>
+      <p:sp>
+        <p:nvSpPr>
+          <p:cNvPr id="5" name="Date Placeholder 4">
+            <a:extLst>
+              <a:ext uri="{FF2B5EF4-FFF2-40B4-BE49-F238E27FC236}">
+                <a16:creationId xmlns:a16="http://schemas.microsoft.com/office/drawing/2014/main" xmlns="" id="{6EBA4D90-E6BC-024D-A9F6-1F04A2646659}"/>
+              </a:ext>
+            </a:extLst>
+          </p:cNvPr>
           <p:cNvSpPr>
             <a:spLocks noGrp="1"/>
           </p:cNvSpPr>
@@ -1350,7 +1468,13 @@
       </p:sp>
       <p:sp>
         <p:nvSpPr>
-          <p:cNvPr id="6" name="Нижний колонтитул 5"/>
+          <p:cNvPr id="6" name="Footer Placeholder 5">
+            <a:extLst>
+              <a:ext uri="{FF2B5EF4-FFF2-40B4-BE49-F238E27FC236}">
+                <a16:creationId xmlns:a16="http://schemas.microsoft.com/office/drawing/2014/main" xmlns="" id="{F52CBA43-E42A-C943-9A98-D9974B128AA9}"/>
+              </a:ext>
+            </a:extLst>
+          </p:cNvPr>
           <p:cNvSpPr>
             <a:spLocks noGrp="1"/>
           </p:cNvSpPr>
@@ -1369,7 +1493,13 @@
       </p:sp>
       <p:sp>
         <p:nvSpPr>
-          <p:cNvPr id="7" name="Номер слайда 6"/>
+          <p:cNvPr id="7" name="Slide Number Placeholder 6">
+            <a:extLst>
+              <a:ext uri="{FF2B5EF4-FFF2-40B4-BE49-F238E27FC236}">
+                <a16:creationId xmlns:a16="http://schemas.microsoft.com/office/drawing/2014/main" xmlns="" id="{EB541BBD-B66D-984B-BDCB-725B6A6B7F73}"/>
+              </a:ext>
+            </a:extLst>
+          </p:cNvPr>
           <p:cNvSpPr>
             <a:spLocks noGrp="1"/>
           </p:cNvSpPr>
@@ -1393,7 +1523,7 @@
     </p:spTree>
     <p:extLst>
       <p:ext uri="{BB962C8B-B14F-4D97-AF65-F5344CB8AC3E}">
-        <p14:creationId xmlns:p14="http://schemas.microsoft.com/office/powerpoint/2010/main" val="2509389571"/>
+        <p14:creationId xmlns:p14="http://schemas.microsoft.com/office/powerpoint/2010/main" val="402199845"/>
       </p:ext>
     </p:extLst>
   </p:cSld>
@@ -1422,45 +1552,58 @@
       </p:grpSpPr>
       <p:sp>
         <p:nvSpPr>
-          <p:cNvPr id="2" name="Заголовок 1"/>
+          <p:cNvPr id="2" name="Title 1">
+            <a:extLst>
+              <a:ext uri="{FF2B5EF4-FFF2-40B4-BE49-F238E27FC236}">
+                <a16:creationId xmlns:a16="http://schemas.microsoft.com/office/drawing/2014/main" xmlns="" id="{9CA45A07-09FE-A644-8F3F-5FA195181A06}"/>
+              </a:ext>
+            </a:extLst>
+          </p:cNvPr>
           <p:cNvSpPr>
             <a:spLocks noGrp="1"/>
           </p:cNvSpPr>
           <p:nvPr>
             <p:ph type="title"/>
-          </p:nvPr>
-        </p:nvSpPr>
-        <p:spPr/>
-        <p:txBody>
-          <a:bodyPr/>
-          <a:lstStyle>
-            <a:lvl1pPr>
-              <a:defRPr/>
-            </a:lvl1pPr>
-          </a:lstStyle>
-          <a:p>
-            <a:r>
-              <a:rPr lang="ru-RU" smtClean="0"/>
-              <a:t>Образец заголовка</a:t>
-            </a:r>
-            <a:endParaRPr lang="ru-RU"/>
-          </a:p>
-        </p:txBody>
-      </p:sp>
-      <p:sp>
-        <p:nvSpPr>
-          <p:cNvPr id="3" name="Текст 2"/>
-          <p:cNvSpPr>
-            <a:spLocks noGrp="1"/>
-          </p:cNvSpPr>
-          <p:nvPr>
-            <p:ph type="body" idx="1"/>
           </p:nvPr>
         </p:nvSpPr>
         <p:spPr>
           <a:xfrm>
-            <a:off x="457200" y="1535113"/>
-            <a:ext cx="4040188" cy="639762"/>
+            <a:off x="629841" y="365126"/>
+            <a:ext cx="7886700" cy="1325563"/>
+          </a:xfrm>
+        </p:spPr>
+        <p:txBody>
+          <a:bodyPr/>
+          <a:lstStyle/>
+          <a:p>
+            <a:r>
+              <a:rPr lang="ru-RU" smtClean="0"/>
+              <a:t>Образец заголовка</a:t>
+            </a:r>
+            <a:endParaRPr lang="x-none"/>
+          </a:p>
+        </p:txBody>
+      </p:sp>
+      <p:sp>
+        <p:nvSpPr>
+          <p:cNvPr id="3" name="Text Placeholder 2">
+            <a:extLst>
+              <a:ext uri="{FF2B5EF4-FFF2-40B4-BE49-F238E27FC236}">
+                <a16:creationId xmlns:a16="http://schemas.microsoft.com/office/drawing/2014/main" xmlns="" id="{3AC34D38-4673-4849-BE7A-61C1A2ED9F31}"/>
+              </a:ext>
+            </a:extLst>
+          </p:cNvPr>
+          <p:cNvSpPr>
+            <a:spLocks noGrp="1"/>
+          </p:cNvSpPr>
+          <p:nvPr>
+            <p:ph type="body" idx="1"/>
+          </p:nvPr>
+        </p:nvSpPr>
+        <p:spPr>
+          <a:xfrm>
+            <a:off x="629842" y="1681163"/>
+            <a:ext cx="3868340" cy="823912"/>
           </a:xfrm>
         </p:spPr>
         <p:txBody>
@@ -1468,39 +1611,39 @@
           <a:lstStyle>
             <a:lvl1pPr marL="0" indent="0">
               <a:buNone/>
-              <a:defRPr sz="2400" b="1"/>
+              <a:defRPr sz="1800" b="1"/>
             </a:lvl1pPr>
-            <a:lvl2pPr marL="457200" indent="0">
-              <a:buNone/>
-              <a:defRPr sz="2000" b="1"/>
+            <a:lvl2pPr marL="342900" indent="0">
+              <a:buNone/>
+              <a:defRPr sz="1500" b="1"/>
             </a:lvl2pPr>
-            <a:lvl3pPr marL="914400" indent="0">
-              <a:buNone/>
-              <a:defRPr sz="1800" b="1"/>
+            <a:lvl3pPr marL="685800" indent="0">
+              <a:buNone/>
+              <a:defRPr sz="1350" b="1"/>
             </a:lvl3pPr>
-            <a:lvl4pPr marL="1371600" indent="0">
-              <a:buNone/>
-              <a:defRPr sz="1600" b="1"/>
+            <a:lvl4pPr marL="1028700" indent="0">
+              <a:buNone/>
+              <a:defRPr sz="1200" b="1"/>
             </a:lvl4pPr>
-            <a:lvl5pPr marL="1828800" indent="0">
-              <a:buNone/>
-              <a:defRPr sz="1600" b="1"/>
+            <a:lvl5pPr marL="1371600" indent="0">
+              <a:buNone/>
+              <a:defRPr sz="1200" b="1"/>
             </a:lvl5pPr>
-            <a:lvl6pPr marL="2286000" indent="0">
-              <a:buNone/>
-              <a:defRPr sz="1600" b="1"/>
+            <a:lvl6pPr marL="1714500" indent="0">
+              <a:buNone/>
+              <a:defRPr sz="1200" b="1"/>
             </a:lvl6pPr>
-            <a:lvl7pPr marL="2743200" indent="0">
-              <a:buNone/>
-              <a:defRPr sz="1600" b="1"/>
+            <a:lvl7pPr marL="2057400" indent="0">
+              <a:buNone/>
+              <a:defRPr sz="1200" b="1"/>
             </a:lvl7pPr>
-            <a:lvl8pPr marL="3200400" indent="0">
-              <a:buNone/>
-              <a:defRPr sz="1600" b="1"/>
+            <a:lvl8pPr marL="2400300" indent="0">
+              <a:buNone/>
+              <a:defRPr sz="1200" b="1"/>
             </a:lvl8pPr>
-            <a:lvl9pPr marL="3657600" indent="0">
-              <a:buNone/>
-              <a:defRPr sz="1600" b="1"/>
+            <a:lvl9pPr marL="2743200" indent="0">
+              <a:buNone/>
+              <a:defRPr sz="1200" b="1"/>
             </a:lvl9pPr>
           </a:lstStyle>
           <a:p>
@@ -1514,7 +1657,13 @@
       </p:sp>
       <p:sp>
         <p:nvSpPr>
-          <p:cNvPr id="4" name="Объект 3"/>
+          <p:cNvPr id="4" name="Content Placeholder 3">
+            <a:extLst>
+              <a:ext uri="{FF2B5EF4-FFF2-40B4-BE49-F238E27FC236}">
+                <a16:creationId xmlns:a16="http://schemas.microsoft.com/office/drawing/2014/main" xmlns="" id="{0E3BB178-1A55-294D-A5FA-EFF0AA5193D0}"/>
+              </a:ext>
+            </a:extLst>
+          </p:cNvPr>
           <p:cNvSpPr>
             <a:spLocks noGrp="1"/>
           </p:cNvSpPr>
@@ -1524,41 +1673,13 @@
         </p:nvSpPr>
         <p:spPr>
           <a:xfrm>
-            <a:off x="457200" y="2174875"/>
-            <a:ext cx="4040188" cy="3951288"/>
+            <a:off x="629842" y="2505075"/>
+            <a:ext cx="3868340" cy="3684588"/>
           </a:xfrm>
         </p:spPr>
         <p:txBody>
           <a:bodyPr/>
-          <a:lstStyle>
-            <a:lvl1pPr>
-              <a:defRPr sz="2400"/>
-            </a:lvl1pPr>
-            <a:lvl2pPr>
-              <a:defRPr sz="2000"/>
-            </a:lvl2pPr>
-            <a:lvl3pPr>
-              <a:defRPr sz="1800"/>
-            </a:lvl3pPr>
-            <a:lvl4pPr>
-              <a:defRPr sz="1600"/>
-            </a:lvl4pPr>
-            <a:lvl5pPr>
-              <a:defRPr sz="1600"/>
-            </a:lvl5pPr>
-            <a:lvl6pPr>
-              <a:defRPr sz="1600"/>
-            </a:lvl6pPr>
-            <a:lvl7pPr>
-              <a:defRPr sz="1600"/>
-            </a:lvl7pPr>
-            <a:lvl8pPr>
-              <a:defRPr sz="1600"/>
-            </a:lvl8pPr>
-            <a:lvl9pPr>
-              <a:defRPr sz="1600"/>
-            </a:lvl9pPr>
-          </a:lstStyle>
+          <a:lstStyle/>
           <a:p>
             <a:pPr lvl="0"/>
             <a:r>
@@ -1593,13 +1714,19 @@
               <a:rPr lang="ru-RU" smtClean="0"/>
               <a:t>Пятый уровень</a:t>
             </a:r>
-            <a:endParaRPr lang="ru-RU"/>
-          </a:p>
-        </p:txBody>
-      </p:sp>
-      <p:sp>
-        <p:nvSpPr>
-          <p:cNvPr id="5" name="Текст 4"/>
+            <a:endParaRPr lang="x-none"/>
+          </a:p>
+        </p:txBody>
+      </p:sp>
+      <p:sp>
+        <p:nvSpPr>
+          <p:cNvPr id="5" name="Text Placeholder 4">
+            <a:extLst>
+              <a:ext uri="{FF2B5EF4-FFF2-40B4-BE49-F238E27FC236}">
+                <a16:creationId xmlns:a16="http://schemas.microsoft.com/office/drawing/2014/main" xmlns="" id="{7FB1F9A2-1C07-9844-83C2-4B430CE10DA0}"/>
+              </a:ext>
+            </a:extLst>
+          </p:cNvPr>
           <p:cNvSpPr>
             <a:spLocks noGrp="1"/>
           </p:cNvSpPr>
@@ -1609,8 +1736,8 @@
         </p:nvSpPr>
         <p:spPr>
           <a:xfrm>
-            <a:off x="4645025" y="1535113"/>
-            <a:ext cx="4041775" cy="639762"/>
+            <a:off x="4629150" y="1681163"/>
+            <a:ext cx="3887391" cy="823912"/>
           </a:xfrm>
         </p:spPr>
         <p:txBody>
@@ -1618,39 +1745,39 @@
           <a:lstStyle>
             <a:lvl1pPr marL="0" indent="0">
               <a:buNone/>
-              <a:defRPr sz="2400" b="1"/>
+              <a:defRPr sz="1800" b="1"/>
             </a:lvl1pPr>
-            <a:lvl2pPr marL="457200" indent="0">
-              <a:buNone/>
-              <a:defRPr sz="2000" b="1"/>
+            <a:lvl2pPr marL="342900" indent="0">
+              <a:buNone/>
+              <a:defRPr sz="1500" b="1"/>
             </a:lvl2pPr>
-            <a:lvl3pPr marL="914400" indent="0">
-              <a:buNone/>
-              <a:defRPr sz="1800" b="1"/>
+            <a:lvl3pPr marL="685800" indent="0">
+              <a:buNone/>
+              <a:defRPr sz="1350" b="1"/>
             </a:lvl3pPr>
-            <a:lvl4pPr marL="1371600" indent="0">
-              <a:buNone/>
-              <a:defRPr sz="1600" b="1"/>
+            <a:lvl4pPr marL="1028700" indent="0">
+              <a:buNone/>
+              <a:defRPr sz="1200" b="1"/>
             </a:lvl4pPr>
-            <a:lvl5pPr marL="1828800" indent="0">
-              <a:buNone/>
-              <a:defRPr sz="1600" b="1"/>
+            <a:lvl5pPr marL="1371600" indent="0">
+              <a:buNone/>
+              <a:defRPr sz="1200" b="1"/>
             </a:lvl5pPr>
-            <a:lvl6pPr marL="2286000" indent="0">
-              <a:buNone/>
-              <a:defRPr sz="1600" b="1"/>
+            <a:lvl6pPr marL="1714500" indent="0">
+              <a:buNone/>
+              <a:defRPr sz="1200" b="1"/>
             </a:lvl6pPr>
-            <a:lvl7pPr marL="2743200" indent="0">
-              <a:buNone/>
-              <a:defRPr sz="1600" b="1"/>
+            <a:lvl7pPr marL="2057400" indent="0">
+              <a:buNone/>
+              <a:defRPr sz="1200" b="1"/>
             </a:lvl7pPr>
-            <a:lvl8pPr marL="3200400" indent="0">
-              <a:buNone/>
-              <a:defRPr sz="1600" b="1"/>
+            <a:lvl8pPr marL="2400300" indent="0">
+              <a:buNone/>
+              <a:defRPr sz="1200" b="1"/>
             </a:lvl8pPr>
-            <a:lvl9pPr marL="3657600" indent="0">
-              <a:buNone/>
-              <a:defRPr sz="1600" b="1"/>
+            <a:lvl9pPr marL="2743200" indent="0">
+              <a:buNone/>
+              <a:defRPr sz="1200" b="1"/>
             </a:lvl9pPr>
           </a:lstStyle>
           <a:p>
@@ -1664,7 +1791,13 @@
       </p:sp>
       <p:sp>
         <p:nvSpPr>
-          <p:cNvPr id="6" name="Объект 5"/>
+          <p:cNvPr id="6" name="Content Placeholder 5">
+            <a:extLst>
+              <a:ext uri="{FF2B5EF4-FFF2-40B4-BE49-F238E27FC236}">
+                <a16:creationId xmlns:a16="http://schemas.microsoft.com/office/drawing/2014/main" xmlns="" id="{9DA425AE-0215-DB44-9C85-2FFBE6BC4F4C}"/>
+              </a:ext>
+            </a:extLst>
+          </p:cNvPr>
           <p:cNvSpPr>
             <a:spLocks noGrp="1"/>
           </p:cNvSpPr>
@@ -1674,41 +1807,13 @@
         </p:nvSpPr>
         <p:spPr>
           <a:xfrm>
-            <a:off x="4645025" y="2174875"/>
-            <a:ext cx="4041775" cy="3951288"/>
+            <a:off x="4629150" y="2505075"/>
+            <a:ext cx="3887391" cy="3684588"/>
           </a:xfrm>
         </p:spPr>
         <p:txBody>
           <a:bodyPr/>
-          <a:lstStyle>
-            <a:lvl1pPr>
-              <a:defRPr sz="2400"/>
-            </a:lvl1pPr>
-            <a:lvl2pPr>
-              <a:defRPr sz="2000"/>
-            </a:lvl2pPr>
-            <a:lvl3pPr>
-              <a:defRPr sz="1800"/>
-            </a:lvl3pPr>
-            <a:lvl4pPr>
-              <a:defRPr sz="1600"/>
-            </a:lvl4pPr>
-            <a:lvl5pPr>
-              <a:defRPr sz="1600"/>
-            </a:lvl5pPr>
-            <a:lvl6pPr>
-              <a:defRPr sz="1600"/>
-            </a:lvl6pPr>
-            <a:lvl7pPr>
-              <a:defRPr sz="1600"/>
-            </a:lvl7pPr>
-            <a:lvl8pPr>
-              <a:defRPr sz="1600"/>
-            </a:lvl8pPr>
-            <a:lvl9pPr>
-              <a:defRPr sz="1600"/>
-            </a:lvl9pPr>
-          </a:lstStyle>
+          <a:lstStyle/>
           <a:p>
             <a:pPr lvl="0"/>
             <a:r>
@@ -1743,13 +1848,19 @@
               <a:rPr lang="ru-RU" smtClean="0"/>
               <a:t>Пятый уровень</a:t>
             </a:r>
-            <a:endParaRPr lang="ru-RU"/>
-          </a:p>
-        </p:txBody>
-      </p:sp>
-      <p:sp>
-        <p:nvSpPr>
-          <p:cNvPr id="7" name="Дата 6"/>
+            <a:endParaRPr lang="x-none"/>
+          </a:p>
+        </p:txBody>
+      </p:sp>
+      <p:sp>
+        <p:nvSpPr>
+          <p:cNvPr id="7" name="Date Placeholder 6">
+            <a:extLst>
+              <a:ext uri="{FF2B5EF4-FFF2-40B4-BE49-F238E27FC236}">
+                <a16:creationId xmlns:a16="http://schemas.microsoft.com/office/drawing/2014/main" xmlns="" id="{58F1BCD8-1677-1041-A4D1-6A5B1E1BEE37}"/>
+              </a:ext>
+            </a:extLst>
+          </p:cNvPr>
           <p:cNvSpPr>
             <a:spLocks noGrp="1"/>
           </p:cNvSpPr>
@@ -1772,7 +1883,13 @@
       </p:sp>
       <p:sp>
         <p:nvSpPr>
-          <p:cNvPr id="8" name="Нижний колонтитул 7"/>
+          <p:cNvPr id="8" name="Footer Placeholder 7">
+            <a:extLst>
+              <a:ext uri="{FF2B5EF4-FFF2-40B4-BE49-F238E27FC236}">
+                <a16:creationId xmlns:a16="http://schemas.microsoft.com/office/drawing/2014/main" xmlns="" id="{7C3BD160-8BB5-EC4F-B29A-FF7AD6B41151}"/>
+              </a:ext>
+            </a:extLst>
+          </p:cNvPr>
           <p:cNvSpPr>
             <a:spLocks noGrp="1"/>
           </p:cNvSpPr>
@@ -1791,7 +1908,13 @@
       </p:sp>
       <p:sp>
         <p:nvSpPr>
-          <p:cNvPr id="9" name="Номер слайда 8"/>
+          <p:cNvPr id="9" name="Slide Number Placeholder 8">
+            <a:extLst>
+              <a:ext uri="{FF2B5EF4-FFF2-40B4-BE49-F238E27FC236}">
+                <a16:creationId xmlns:a16="http://schemas.microsoft.com/office/drawing/2014/main" xmlns="" id="{4C05B4D0-D697-7C41-B05C-16D721978FA5}"/>
+              </a:ext>
+            </a:extLst>
+          </p:cNvPr>
           <p:cNvSpPr>
             <a:spLocks noGrp="1"/>
           </p:cNvSpPr>
@@ -1815,7 +1938,7 @@
     </p:spTree>
     <p:extLst>
       <p:ext uri="{BB962C8B-B14F-4D97-AF65-F5344CB8AC3E}">
-        <p14:creationId xmlns:p14="http://schemas.microsoft.com/office/powerpoint/2010/main" val="2312201275"/>
+        <p14:creationId xmlns:p14="http://schemas.microsoft.com/office/powerpoint/2010/main" val="205509895"/>
       </p:ext>
     </p:extLst>
   </p:cSld>
@@ -1844,7 +1967,13 @@
       </p:grpSpPr>
       <p:sp>
         <p:nvSpPr>
-          <p:cNvPr id="2" name="Заголовок 1"/>
+          <p:cNvPr id="2" name="Title 1">
+            <a:extLst>
+              <a:ext uri="{FF2B5EF4-FFF2-40B4-BE49-F238E27FC236}">
+                <a16:creationId xmlns:a16="http://schemas.microsoft.com/office/drawing/2014/main" xmlns="" id="{3B2CA8C7-3261-B346-847B-30BFBABF0FA9}"/>
+              </a:ext>
+            </a:extLst>
+          </p:cNvPr>
           <p:cNvSpPr>
             <a:spLocks noGrp="1"/>
           </p:cNvSpPr>
@@ -1861,13 +1990,19 @@
               <a:rPr lang="ru-RU" smtClean="0"/>
               <a:t>Образец заголовка</a:t>
             </a:r>
-            <a:endParaRPr lang="ru-RU"/>
-          </a:p>
-        </p:txBody>
-      </p:sp>
-      <p:sp>
-        <p:nvSpPr>
-          <p:cNvPr id="3" name="Дата 2"/>
+            <a:endParaRPr lang="x-none"/>
+          </a:p>
+        </p:txBody>
+      </p:sp>
+      <p:sp>
+        <p:nvSpPr>
+          <p:cNvPr id="3" name="Date Placeholder 2">
+            <a:extLst>
+              <a:ext uri="{FF2B5EF4-FFF2-40B4-BE49-F238E27FC236}">
+                <a16:creationId xmlns:a16="http://schemas.microsoft.com/office/drawing/2014/main" xmlns="" id="{60852E49-FE7C-E14F-8E2F-2C3180DA6AB2}"/>
+              </a:ext>
+            </a:extLst>
+          </p:cNvPr>
           <p:cNvSpPr>
             <a:spLocks noGrp="1"/>
           </p:cNvSpPr>
@@ -1890,7 +2025,13 @@
       </p:sp>
       <p:sp>
         <p:nvSpPr>
-          <p:cNvPr id="4" name="Нижний колонтитул 3"/>
+          <p:cNvPr id="4" name="Footer Placeholder 3">
+            <a:extLst>
+              <a:ext uri="{FF2B5EF4-FFF2-40B4-BE49-F238E27FC236}">
+                <a16:creationId xmlns:a16="http://schemas.microsoft.com/office/drawing/2014/main" xmlns="" id="{40B7DDC9-75FE-BC41-A1FC-C9C2221B2D66}"/>
+              </a:ext>
+            </a:extLst>
+          </p:cNvPr>
           <p:cNvSpPr>
             <a:spLocks noGrp="1"/>
           </p:cNvSpPr>
@@ -1909,7 +2050,13 @@
       </p:sp>
       <p:sp>
         <p:nvSpPr>
-          <p:cNvPr id="5" name="Номер слайда 4"/>
+          <p:cNvPr id="5" name="Slide Number Placeholder 4">
+            <a:extLst>
+              <a:ext uri="{FF2B5EF4-FFF2-40B4-BE49-F238E27FC236}">
+                <a16:creationId xmlns:a16="http://schemas.microsoft.com/office/drawing/2014/main" xmlns="" id="{38E2A1E3-13B0-4C44-BCAD-61A1E3957CD4}"/>
+              </a:ext>
+            </a:extLst>
+          </p:cNvPr>
           <p:cNvSpPr>
             <a:spLocks noGrp="1"/>
           </p:cNvSpPr>
@@ -1933,7 +2080,7 @@
     </p:spTree>
     <p:extLst>
       <p:ext uri="{BB962C8B-B14F-4D97-AF65-F5344CB8AC3E}">
-        <p14:creationId xmlns:p14="http://schemas.microsoft.com/office/powerpoint/2010/main" val="2178029200"/>
+        <p14:creationId xmlns:p14="http://schemas.microsoft.com/office/powerpoint/2010/main" val="2632280047"/>
       </p:ext>
     </p:extLst>
   </p:cSld>
@@ -1962,7 +2109,13 @@
       </p:grpSpPr>
       <p:sp>
         <p:nvSpPr>
-          <p:cNvPr id="2" name="Дата 1"/>
+          <p:cNvPr id="2" name="Date Placeholder 1">
+            <a:extLst>
+              <a:ext uri="{FF2B5EF4-FFF2-40B4-BE49-F238E27FC236}">
+                <a16:creationId xmlns:a16="http://schemas.microsoft.com/office/drawing/2014/main" xmlns="" id="{9A30CB02-52A4-D44E-A76E-634F061EFF96}"/>
+              </a:ext>
+            </a:extLst>
+          </p:cNvPr>
           <p:cNvSpPr>
             <a:spLocks noGrp="1"/>
           </p:cNvSpPr>
@@ -1985,7 +2138,13 @@
       </p:sp>
       <p:sp>
         <p:nvSpPr>
-          <p:cNvPr id="3" name="Нижний колонтитул 2"/>
+          <p:cNvPr id="3" name="Footer Placeholder 2">
+            <a:extLst>
+              <a:ext uri="{FF2B5EF4-FFF2-40B4-BE49-F238E27FC236}">
+                <a16:creationId xmlns:a16="http://schemas.microsoft.com/office/drawing/2014/main" xmlns="" id="{D06EB864-22BF-4840-AA08-7E155F39507C}"/>
+              </a:ext>
+            </a:extLst>
+          </p:cNvPr>
           <p:cNvSpPr>
             <a:spLocks noGrp="1"/>
           </p:cNvSpPr>
@@ -2004,7 +2163,13 @@
       </p:sp>
       <p:sp>
         <p:nvSpPr>
-          <p:cNvPr id="4" name="Номер слайда 3"/>
+          <p:cNvPr id="4" name="Slide Number Placeholder 3">
+            <a:extLst>
+              <a:ext uri="{FF2B5EF4-FFF2-40B4-BE49-F238E27FC236}">
+                <a16:creationId xmlns:a16="http://schemas.microsoft.com/office/drawing/2014/main" xmlns="" id="{2CF813FD-6ADC-1B4B-8D24-441A003E2EC8}"/>
+              </a:ext>
+            </a:extLst>
+          </p:cNvPr>
           <p:cNvSpPr>
             <a:spLocks noGrp="1"/>
           </p:cNvSpPr>
@@ -2028,7 +2193,7 @@
     </p:spTree>
     <p:extLst>
       <p:ext uri="{BB962C8B-B14F-4D97-AF65-F5344CB8AC3E}">
-        <p14:creationId xmlns:p14="http://schemas.microsoft.com/office/powerpoint/2010/main" val="26327464"/>
+        <p14:creationId xmlns:p14="http://schemas.microsoft.com/office/powerpoint/2010/main" val="2509703587"/>
       </p:ext>
     </p:extLst>
   </p:cSld>
@@ -2057,7 +2222,13 @@
       </p:grpSpPr>
       <p:sp>
         <p:nvSpPr>
-          <p:cNvPr id="2" name="Заголовок 1"/>
+          <p:cNvPr id="2" name="Title 1">
+            <a:extLst>
+              <a:ext uri="{FF2B5EF4-FFF2-40B4-BE49-F238E27FC236}">
+                <a16:creationId xmlns:a16="http://schemas.microsoft.com/office/drawing/2014/main" xmlns="" id="{C441DC22-CD07-084C-9029-17B81BF9CBAC}"/>
+              </a:ext>
+            </a:extLst>
+          </p:cNvPr>
           <p:cNvSpPr>
             <a:spLocks noGrp="1"/>
           </p:cNvSpPr>
@@ -2067,15 +2238,15 @@
         </p:nvSpPr>
         <p:spPr>
           <a:xfrm>
-            <a:off x="457200" y="273050"/>
-            <a:ext cx="3008313" cy="1162050"/>
+            <a:off x="629841" y="457200"/>
+            <a:ext cx="2949178" cy="1600200"/>
           </a:xfrm>
         </p:spPr>
         <p:txBody>
           <a:bodyPr anchor="b"/>
           <a:lstStyle>
-            <a:lvl1pPr algn="l">
-              <a:defRPr sz="2000" b="1"/>
+            <a:lvl1pPr>
+              <a:defRPr sz="2400"/>
             </a:lvl1pPr>
           </a:lstStyle>
           <a:p>
@@ -2083,13 +2254,19 @@
               <a:rPr lang="ru-RU" smtClean="0"/>
               <a:t>Образец заголовка</a:t>
             </a:r>
-            <a:endParaRPr lang="ru-RU"/>
-          </a:p>
-        </p:txBody>
-      </p:sp>
-      <p:sp>
-        <p:nvSpPr>
-          <p:cNvPr id="3" name="Объект 2"/>
+            <a:endParaRPr lang="x-none"/>
+          </a:p>
+        </p:txBody>
+      </p:sp>
+      <p:sp>
+        <p:nvSpPr>
+          <p:cNvPr id="3" name="Content Placeholder 2">
+            <a:extLst>
+              <a:ext uri="{FF2B5EF4-FFF2-40B4-BE49-F238E27FC236}">
+                <a16:creationId xmlns:a16="http://schemas.microsoft.com/office/drawing/2014/main" xmlns="" id="{F6B4E8EE-3FF7-9145-8098-82BB3D112433}"/>
+              </a:ext>
+            </a:extLst>
+          </p:cNvPr>
           <p:cNvSpPr>
             <a:spLocks noGrp="1"/>
           </p:cNvSpPr>
@@ -2099,39 +2276,39 @@
         </p:nvSpPr>
         <p:spPr>
           <a:xfrm>
-            <a:off x="3575050" y="273050"/>
-            <a:ext cx="5111750" cy="5853113"/>
+            <a:off x="3887391" y="987426"/>
+            <a:ext cx="4629150" cy="4873625"/>
           </a:xfrm>
         </p:spPr>
         <p:txBody>
           <a:bodyPr/>
           <a:lstStyle>
             <a:lvl1pPr>
-              <a:defRPr sz="3200"/>
+              <a:defRPr sz="2400"/>
             </a:lvl1pPr>
             <a:lvl2pPr>
-              <a:defRPr sz="2800"/>
+              <a:defRPr sz="2100"/>
             </a:lvl2pPr>
             <a:lvl3pPr>
-              <a:defRPr sz="2400"/>
+              <a:defRPr sz="1800"/>
             </a:lvl3pPr>
             <a:lvl4pPr>
-              <a:defRPr sz="2000"/>
+              <a:defRPr sz="1500"/>
             </a:lvl4pPr>
             <a:lvl5pPr>
-              <a:defRPr sz="2000"/>
+              <a:defRPr sz="1500"/>
             </a:lvl5pPr>
             <a:lvl6pPr>
-              <a:defRPr sz="2000"/>
+              <a:defRPr sz="1500"/>
             </a:lvl6pPr>
             <a:lvl7pPr>
-              <a:defRPr sz="2000"/>
+              <a:defRPr sz="1500"/>
             </a:lvl7pPr>
             <a:lvl8pPr>
-              <a:defRPr sz="2000"/>
+              <a:defRPr sz="1500"/>
             </a:lvl8pPr>
             <a:lvl9pPr>
-              <a:defRPr sz="2000"/>
+              <a:defRPr sz="1500"/>
             </a:lvl9pPr>
           </a:lstStyle>
           <a:p>
@@ -2168,13 +2345,19 @@
               <a:rPr lang="ru-RU" smtClean="0"/>
               <a:t>Пятый уровень</a:t>
             </a:r>
-            <a:endParaRPr lang="ru-RU"/>
-          </a:p>
-        </p:txBody>
-      </p:sp>
-      <p:sp>
-        <p:nvSpPr>
-          <p:cNvPr id="4" name="Текст 3"/>
+            <a:endParaRPr lang="x-none"/>
+          </a:p>
+        </p:txBody>
+      </p:sp>
+      <p:sp>
+        <p:nvSpPr>
+          <p:cNvPr id="4" name="Text Placeholder 3">
+            <a:extLst>
+              <a:ext uri="{FF2B5EF4-FFF2-40B4-BE49-F238E27FC236}">
+                <a16:creationId xmlns:a16="http://schemas.microsoft.com/office/drawing/2014/main" xmlns="" id="{B4CF1687-C97D-8A49-8117-5B23280B4CC2}"/>
+              </a:ext>
+            </a:extLst>
+          </p:cNvPr>
           <p:cNvSpPr>
             <a:spLocks noGrp="1"/>
           </p:cNvSpPr>
@@ -2184,8 +2367,8 @@
         </p:nvSpPr>
         <p:spPr>
           <a:xfrm>
-            <a:off x="457200" y="1435100"/>
-            <a:ext cx="3008313" cy="4691063"/>
+            <a:off x="629841" y="2057400"/>
+            <a:ext cx="2949178" cy="3811588"/>
           </a:xfrm>
         </p:spPr>
         <p:txBody>
@@ -2193,39 +2376,39 @@
           <a:lstStyle>
             <a:lvl1pPr marL="0" indent="0">
               <a:buNone/>
-              <a:defRPr sz="1400"/>
+              <a:defRPr sz="1200"/>
             </a:lvl1pPr>
-            <a:lvl2pPr marL="457200" indent="0">
-              <a:buNone/>
-              <a:defRPr sz="1200"/>
+            <a:lvl2pPr marL="342900" indent="0">
+              <a:buNone/>
+              <a:defRPr sz="1050"/>
             </a:lvl2pPr>
-            <a:lvl3pPr marL="914400" indent="0">
-              <a:buNone/>
-              <a:defRPr sz="1000"/>
+            <a:lvl3pPr marL="685800" indent="0">
+              <a:buNone/>
+              <a:defRPr sz="900"/>
             </a:lvl3pPr>
-            <a:lvl4pPr marL="1371600" indent="0">
-              <a:buNone/>
-              <a:defRPr sz="900"/>
+            <a:lvl4pPr marL="1028700" indent="0">
+              <a:buNone/>
+              <a:defRPr sz="750"/>
             </a:lvl4pPr>
-            <a:lvl5pPr marL="1828800" indent="0">
-              <a:buNone/>
-              <a:defRPr sz="900"/>
+            <a:lvl5pPr marL="1371600" indent="0">
+              <a:buNone/>
+              <a:defRPr sz="750"/>
             </a:lvl5pPr>
-            <a:lvl6pPr marL="2286000" indent="0">
-              <a:buNone/>
-              <a:defRPr sz="900"/>
+            <a:lvl6pPr marL="1714500" indent="0">
+              <a:buNone/>
+              <a:defRPr sz="750"/>
             </a:lvl6pPr>
-            <a:lvl7pPr marL="2743200" indent="0">
-              <a:buNone/>
-              <a:defRPr sz="900"/>
+            <a:lvl7pPr marL="2057400" indent="0">
+              <a:buNone/>
+              <a:defRPr sz="750"/>
             </a:lvl7pPr>
-            <a:lvl8pPr marL="3200400" indent="0">
-              <a:buNone/>
-              <a:defRPr sz="900"/>
+            <a:lvl8pPr marL="2400300" indent="0">
+              <a:buNone/>
+              <a:defRPr sz="750"/>
             </a:lvl8pPr>
-            <a:lvl9pPr marL="3657600" indent="0">
-              <a:buNone/>
-              <a:defRPr sz="900"/>
+            <a:lvl9pPr marL="2743200" indent="0">
+              <a:buNone/>
+              <a:defRPr sz="750"/>
             </a:lvl9pPr>
           </a:lstStyle>
           <a:p>
@@ -2239,7 +2422,13 @@
       </p:sp>
       <p:sp>
         <p:nvSpPr>
-          <p:cNvPr id="5" name="Дата 4"/>
+          <p:cNvPr id="5" name="Date Placeholder 4">
+            <a:extLst>
+              <a:ext uri="{FF2B5EF4-FFF2-40B4-BE49-F238E27FC236}">
+                <a16:creationId xmlns:a16="http://schemas.microsoft.com/office/drawing/2014/main" xmlns="" id="{2812D009-E375-1446-B13C-1FEEF8D75688}"/>
+              </a:ext>
+            </a:extLst>
+          </p:cNvPr>
           <p:cNvSpPr>
             <a:spLocks noGrp="1"/>
           </p:cNvSpPr>
@@ -2262,7 +2451,13 @@
       </p:sp>
       <p:sp>
         <p:nvSpPr>
-          <p:cNvPr id="6" name="Нижний колонтитул 5"/>
+          <p:cNvPr id="6" name="Footer Placeholder 5">
+            <a:extLst>
+              <a:ext uri="{FF2B5EF4-FFF2-40B4-BE49-F238E27FC236}">
+                <a16:creationId xmlns:a16="http://schemas.microsoft.com/office/drawing/2014/main" xmlns="" id="{A0AA1FF5-0F7C-D34F-9D77-B249E1101BED}"/>
+              </a:ext>
+            </a:extLst>
+          </p:cNvPr>
           <p:cNvSpPr>
             <a:spLocks noGrp="1"/>
           </p:cNvSpPr>
@@ -2281,7 +2476,13 @@
       </p:sp>
       <p:sp>
         <p:nvSpPr>
-          <p:cNvPr id="7" name="Номер слайда 6"/>
+          <p:cNvPr id="7" name="Slide Number Placeholder 6">
+            <a:extLst>
+              <a:ext uri="{FF2B5EF4-FFF2-40B4-BE49-F238E27FC236}">
+                <a16:creationId xmlns:a16="http://schemas.microsoft.com/office/drawing/2014/main" xmlns="" id="{15017B3A-C53A-9246-BF99-9BFA49CAB5A8}"/>
+              </a:ext>
+            </a:extLst>
+          </p:cNvPr>
           <p:cNvSpPr>
             <a:spLocks noGrp="1"/>
           </p:cNvSpPr>
@@ -2305,7 +2506,7 @@
     </p:spTree>
     <p:extLst>
       <p:ext uri="{BB962C8B-B14F-4D97-AF65-F5344CB8AC3E}">
-        <p14:creationId xmlns:p14="http://schemas.microsoft.com/office/powerpoint/2010/main" val="34156593"/>
+        <p14:creationId xmlns:p14="http://schemas.microsoft.com/office/powerpoint/2010/main" val="2088292541"/>
       </p:ext>
     </p:extLst>
   </p:cSld>
@@ -2334,7 +2535,13 @@
       </p:grpSpPr>
       <p:sp>
         <p:nvSpPr>
-          <p:cNvPr id="2" name="Заголовок 1"/>
+          <p:cNvPr id="2" name="Title 1">
+            <a:extLst>
+              <a:ext uri="{FF2B5EF4-FFF2-40B4-BE49-F238E27FC236}">
+                <a16:creationId xmlns:a16="http://schemas.microsoft.com/office/drawing/2014/main" xmlns="" id="{54BBC026-8D10-9C4B-ABF9-CF286AA91DAE}"/>
+              </a:ext>
+            </a:extLst>
+          </p:cNvPr>
           <p:cNvSpPr>
             <a:spLocks noGrp="1"/>
           </p:cNvSpPr>
@@ -2344,15 +2551,15 @@
         </p:nvSpPr>
         <p:spPr>
           <a:xfrm>
-            <a:off x="1792288" y="4800600"/>
-            <a:ext cx="5486400" cy="566738"/>
+            <a:off x="629841" y="457200"/>
+            <a:ext cx="2949178" cy="1600200"/>
           </a:xfrm>
         </p:spPr>
         <p:txBody>
           <a:bodyPr anchor="b"/>
           <a:lstStyle>
-            <a:lvl1pPr algn="l">
-              <a:defRPr sz="2000" b="1"/>
+            <a:lvl1pPr>
+              <a:defRPr sz="2400"/>
             </a:lvl1pPr>
           </a:lstStyle>
           <a:p>
@@ -2360,13 +2567,19 @@
               <a:rPr lang="ru-RU" smtClean="0"/>
               <a:t>Образец заголовка</a:t>
             </a:r>
-            <a:endParaRPr lang="ru-RU"/>
-          </a:p>
-        </p:txBody>
-      </p:sp>
-      <p:sp>
-        <p:nvSpPr>
-          <p:cNvPr id="3" name="Рисунок 2"/>
+            <a:endParaRPr lang="x-none"/>
+          </a:p>
+        </p:txBody>
+      </p:sp>
+      <p:sp>
+        <p:nvSpPr>
+          <p:cNvPr id="3" name="Picture Placeholder 2">
+            <a:extLst>
+              <a:ext uri="{FF2B5EF4-FFF2-40B4-BE49-F238E27FC236}">
+                <a16:creationId xmlns:a16="http://schemas.microsoft.com/office/drawing/2014/main" xmlns="" id="{8262F69A-76D3-A94D-9327-D7839E6BB64A}"/>
+              </a:ext>
+            </a:extLst>
+          </p:cNvPr>
           <p:cNvSpPr>
             <a:spLocks noGrp="1"/>
           </p:cNvSpPr>
@@ -2376,8 +2589,8 @@
         </p:nvSpPr>
         <p:spPr>
           <a:xfrm>
-            <a:off x="1792288" y="612775"/>
-            <a:ext cx="5486400" cy="4114800"/>
+            <a:off x="3887391" y="987426"/>
+            <a:ext cx="4629150" cy="4873625"/>
           </a:xfrm>
         </p:spPr>
         <p:txBody>
@@ -2385,49 +2598,59 @@
           <a:lstStyle>
             <a:lvl1pPr marL="0" indent="0">
               <a:buNone/>
-              <a:defRPr sz="3200"/>
+              <a:defRPr sz="2400"/>
             </a:lvl1pPr>
-            <a:lvl2pPr marL="457200" indent="0">
-              <a:buNone/>
-              <a:defRPr sz="2800"/>
+            <a:lvl2pPr marL="342900" indent="0">
+              <a:buNone/>
+              <a:defRPr sz="2100"/>
             </a:lvl2pPr>
-            <a:lvl3pPr marL="914400" indent="0">
-              <a:buNone/>
-              <a:defRPr sz="2400"/>
+            <a:lvl3pPr marL="685800" indent="0">
+              <a:buNone/>
+              <a:defRPr sz="1800"/>
             </a:lvl3pPr>
-            <a:lvl4pPr marL="1371600" indent="0">
-              <a:buNone/>
-              <a:defRPr sz="2000"/>
+            <a:lvl4pPr marL="1028700" indent="0">
+              <a:buNone/>
+              <a:defRPr sz="1500"/>
             </a:lvl4pPr>
-            <a:lvl5pPr marL="1828800" indent="0">
-              <a:buNone/>
-              <a:defRPr sz="2000"/>
+            <a:lvl5pPr marL="1371600" indent="0">
+              <a:buNone/>
+              <a:defRPr sz="1500"/>
             </a:lvl5pPr>
-            <a:lvl6pPr marL="2286000" indent="0">
-              <a:buNone/>
-              <a:defRPr sz="2000"/>
+            <a:lvl6pPr marL="1714500" indent="0">
+              <a:buNone/>
+              <a:defRPr sz="1500"/>
             </a:lvl6pPr>
-            <a:lvl7pPr marL="2743200" indent="0">
-              <a:buNone/>
-              <a:defRPr sz="2000"/>
+            <a:lvl7pPr marL="2057400" indent="0">
+              <a:buNone/>
+              <a:defRPr sz="1500"/>
             </a:lvl7pPr>
-            <a:lvl8pPr marL="3200400" indent="0">
-              <a:buNone/>
-              <a:defRPr sz="2000"/>
+            <a:lvl8pPr marL="2400300" indent="0">
+              <a:buNone/>
+              <a:defRPr sz="1500"/>
             </a:lvl8pPr>
-            <a:lvl9pPr marL="3657600" indent="0">
-              <a:buNone/>
-              <a:defRPr sz="2000"/>
+            <a:lvl9pPr marL="2743200" indent="0">
+              <a:buNone/>
+              <a:defRPr sz="1500"/>
             </a:lvl9pPr>
           </a:lstStyle>
           <a:p>
-            <a:endParaRPr lang="ru-RU"/>
-          </a:p>
-        </p:txBody>
-      </p:sp>
-      <p:sp>
-        <p:nvSpPr>
-          <p:cNvPr id="4" name="Текст 3"/>
+            <a:r>
+              <a:rPr lang="ru-RU" smtClean="0"/>
+              <a:t>Вставка рисунка</a:t>
+            </a:r>
+            <a:endParaRPr lang="x-none"/>
+          </a:p>
+        </p:txBody>
+      </p:sp>
+      <p:sp>
+        <p:nvSpPr>
+          <p:cNvPr id="4" name="Text Placeholder 3">
+            <a:extLst>
+              <a:ext uri="{FF2B5EF4-FFF2-40B4-BE49-F238E27FC236}">
+                <a16:creationId xmlns:a16="http://schemas.microsoft.com/office/drawing/2014/main" xmlns="" id="{B66E33E9-ABD1-3843-A855-85A35582F389}"/>
+              </a:ext>
+            </a:extLst>
+          </p:cNvPr>
           <p:cNvSpPr>
             <a:spLocks noGrp="1"/>
           </p:cNvSpPr>
@@ -2437,8 +2660,8 @@
         </p:nvSpPr>
         <p:spPr>
           <a:xfrm>
-            <a:off x="1792288" y="5367338"/>
-            <a:ext cx="5486400" cy="804862"/>
+            <a:off x="629841" y="2057400"/>
+            <a:ext cx="2949178" cy="3811588"/>
           </a:xfrm>
         </p:spPr>
         <p:txBody>
@@ -2446,39 +2669,39 @@
           <a:lstStyle>
             <a:lvl1pPr marL="0" indent="0">
               <a:buNone/>
-              <a:defRPr sz="1400"/>
+              <a:defRPr sz="1200"/>
             </a:lvl1pPr>
-            <a:lvl2pPr marL="457200" indent="0">
-              <a:buNone/>
-              <a:defRPr sz="1200"/>
+            <a:lvl2pPr marL="342900" indent="0">
+              <a:buNone/>
+              <a:defRPr sz="1050"/>
             </a:lvl2pPr>
-            <a:lvl3pPr marL="914400" indent="0">
-              <a:buNone/>
-              <a:defRPr sz="1000"/>
+            <a:lvl3pPr marL="685800" indent="0">
+              <a:buNone/>
+              <a:defRPr sz="900"/>
             </a:lvl3pPr>
-            <a:lvl4pPr marL="1371600" indent="0">
-              <a:buNone/>
-              <a:defRPr sz="900"/>
+            <a:lvl4pPr marL="1028700" indent="0">
+              <a:buNone/>
+              <a:defRPr sz="750"/>
             </a:lvl4pPr>
-            <a:lvl5pPr marL="1828800" indent="0">
-              <a:buNone/>
-              <a:defRPr sz="900"/>
+            <a:lvl5pPr marL="1371600" indent="0">
+              <a:buNone/>
+              <a:defRPr sz="750"/>
             </a:lvl5pPr>
-            <a:lvl6pPr marL="2286000" indent="0">
-              <a:buNone/>
-              <a:defRPr sz="900"/>
+            <a:lvl6pPr marL="1714500" indent="0">
+              <a:buNone/>
+              <a:defRPr sz="750"/>
             </a:lvl6pPr>
-            <a:lvl7pPr marL="2743200" indent="0">
-              <a:buNone/>
-              <a:defRPr sz="900"/>
+            <a:lvl7pPr marL="2057400" indent="0">
+              <a:buNone/>
+              <a:defRPr sz="750"/>
             </a:lvl7pPr>
-            <a:lvl8pPr marL="3200400" indent="0">
-              <a:buNone/>
-              <a:defRPr sz="900"/>
+            <a:lvl8pPr marL="2400300" indent="0">
+              <a:buNone/>
+              <a:defRPr sz="750"/>
             </a:lvl8pPr>
-            <a:lvl9pPr marL="3657600" indent="0">
-              <a:buNone/>
-              <a:defRPr sz="900"/>
+            <a:lvl9pPr marL="2743200" indent="0">
+              <a:buNone/>
+              <a:defRPr sz="750"/>
             </a:lvl9pPr>
           </a:lstStyle>
           <a:p>
@@ -2492,7 +2715,13 @@
       </p:sp>
       <p:sp>
         <p:nvSpPr>
-          <p:cNvPr id="5" name="Дата 4"/>
+          <p:cNvPr id="5" name="Date Placeholder 4">
+            <a:extLst>
+              <a:ext uri="{FF2B5EF4-FFF2-40B4-BE49-F238E27FC236}">
+                <a16:creationId xmlns:a16="http://schemas.microsoft.com/office/drawing/2014/main" xmlns="" id="{66A3464C-2B34-6D46-9081-C3108F8CBEE7}"/>
+              </a:ext>
+            </a:extLst>
+          </p:cNvPr>
           <p:cNvSpPr>
             <a:spLocks noGrp="1"/>
           </p:cNvSpPr>
@@ -2515,7 +2744,13 @@
       </p:sp>
       <p:sp>
         <p:nvSpPr>
-          <p:cNvPr id="6" name="Нижний колонтитул 5"/>
+          <p:cNvPr id="6" name="Footer Placeholder 5">
+            <a:extLst>
+              <a:ext uri="{FF2B5EF4-FFF2-40B4-BE49-F238E27FC236}">
+                <a16:creationId xmlns:a16="http://schemas.microsoft.com/office/drawing/2014/main" xmlns="" id="{88193454-9970-0543-A50A-855B228C3BBB}"/>
+              </a:ext>
+            </a:extLst>
+          </p:cNvPr>
           <p:cNvSpPr>
             <a:spLocks noGrp="1"/>
           </p:cNvSpPr>
@@ -2534,7 +2769,13 @@
       </p:sp>
       <p:sp>
         <p:nvSpPr>
-          <p:cNvPr id="7" name="Номер слайда 6"/>
+          <p:cNvPr id="7" name="Slide Number Placeholder 6">
+            <a:extLst>
+              <a:ext uri="{FF2B5EF4-FFF2-40B4-BE49-F238E27FC236}">
+                <a16:creationId xmlns:a16="http://schemas.microsoft.com/office/drawing/2014/main" xmlns="" id="{C143592F-2038-C640-8D70-0784CDA41054}"/>
+              </a:ext>
+            </a:extLst>
+          </p:cNvPr>
           <p:cNvSpPr>
             <a:spLocks noGrp="1"/>
           </p:cNvSpPr>
@@ -2558,7 +2799,7 @@
     </p:spTree>
     <p:extLst>
       <p:ext uri="{BB962C8B-B14F-4D97-AF65-F5344CB8AC3E}">
-        <p14:creationId xmlns:p14="http://schemas.microsoft.com/office/powerpoint/2010/main" val="769272685"/>
+        <p14:creationId xmlns:p14="http://schemas.microsoft.com/office/powerpoint/2010/main" val="482247760"/>
       </p:ext>
     </p:extLst>
   </p:cSld>
@@ -2592,7 +2833,13 @@
       </p:grpSpPr>
       <p:sp>
         <p:nvSpPr>
-          <p:cNvPr id="2" name="Заголовок 1"/>
+          <p:cNvPr id="2" name="Title Placeholder 1">
+            <a:extLst>
+              <a:ext uri="{FF2B5EF4-FFF2-40B4-BE49-F238E27FC236}">
+                <a16:creationId xmlns:a16="http://schemas.microsoft.com/office/drawing/2014/main" xmlns="" id="{77639724-7379-7345-BF21-A7B085BAB128}"/>
+              </a:ext>
+            </a:extLst>
+          </p:cNvPr>
           <p:cNvSpPr>
             <a:spLocks noGrp="1"/>
           </p:cNvSpPr>
@@ -2602,8 +2849,8 @@
         </p:nvSpPr>
         <p:spPr>
           <a:xfrm>
-            <a:off x="457200" y="274638"/>
-            <a:ext cx="8229600" cy="1143000"/>
+            <a:off x="628650" y="365126"/>
+            <a:ext cx="7886700" cy="1325563"/>
           </a:xfrm>
           <a:prstGeom prst="rect">
             <a:avLst/>
@@ -2619,13 +2866,19 @@
               <a:rPr lang="ru-RU" smtClean="0"/>
               <a:t>Образец заголовка</a:t>
             </a:r>
-            <a:endParaRPr lang="ru-RU"/>
-          </a:p>
-        </p:txBody>
-      </p:sp>
-      <p:sp>
-        <p:nvSpPr>
-          <p:cNvPr id="3" name="Текст 2"/>
+            <a:endParaRPr lang="x-none"/>
+          </a:p>
+        </p:txBody>
+      </p:sp>
+      <p:sp>
+        <p:nvSpPr>
+          <p:cNvPr id="3" name="Text Placeholder 2">
+            <a:extLst>
+              <a:ext uri="{FF2B5EF4-FFF2-40B4-BE49-F238E27FC236}">
+                <a16:creationId xmlns:a16="http://schemas.microsoft.com/office/drawing/2014/main" xmlns="" id="{377B3DF6-F243-C346-9EFD-F1B232846CF4}"/>
+              </a:ext>
+            </a:extLst>
+          </p:cNvPr>
           <p:cNvSpPr>
             <a:spLocks noGrp="1"/>
           </p:cNvSpPr>
@@ -2635,8 +2888,8 @@
         </p:nvSpPr>
         <p:spPr>
           <a:xfrm>
-            <a:off x="457200" y="1600200"/>
-            <a:ext cx="8229600" cy="4525963"/>
+            <a:off x="628650" y="1825625"/>
+            <a:ext cx="7886700" cy="4351338"/>
           </a:xfrm>
           <a:prstGeom prst="rect">
             <a:avLst/>
@@ -2681,13 +2934,19 @@
               <a:rPr lang="ru-RU" smtClean="0"/>
               <a:t>Пятый уровень</a:t>
             </a:r>
-            <a:endParaRPr lang="ru-RU"/>
-          </a:p>
-        </p:txBody>
-      </p:sp>
-      <p:sp>
-        <p:nvSpPr>
-          <p:cNvPr id="4" name="Дата 3"/>
+            <a:endParaRPr lang="x-none"/>
+          </a:p>
+        </p:txBody>
+      </p:sp>
+      <p:sp>
+        <p:nvSpPr>
+          <p:cNvPr id="4" name="Date Placeholder 3">
+            <a:extLst>
+              <a:ext uri="{FF2B5EF4-FFF2-40B4-BE49-F238E27FC236}">
+                <a16:creationId xmlns:a16="http://schemas.microsoft.com/office/drawing/2014/main" xmlns="" id="{8097B167-B9ED-1A47-8B66-D46DBC181B53}"/>
+              </a:ext>
+            </a:extLst>
+          </p:cNvPr>
           <p:cNvSpPr>
             <a:spLocks noGrp="1"/>
           </p:cNvSpPr>
@@ -2697,8 +2956,8 @@
         </p:nvSpPr>
         <p:spPr>
           <a:xfrm>
-            <a:off x="457200" y="6356350"/>
-            <a:ext cx="2133600" cy="365125"/>
+            <a:off x="628650" y="6356351"/>
+            <a:ext cx="2057400" cy="365125"/>
           </a:xfrm>
           <a:prstGeom prst="rect">
             <a:avLst/>
@@ -2708,7 +2967,7 @@
           <a:bodyPr vert="horz" lIns="91440" tIns="45720" rIns="91440" bIns="45720" rtlCol="0" anchor="ctr"/>
           <a:lstStyle>
             <a:lvl1pPr algn="l">
-              <a:defRPr sz="1200">
+              <a:defRPr sz="900">
                 <a:solidFill>
                   <a:schemeClr val="tx1">
                     <a:tint val="75000"/>
@@ -2728,7 +2987,13 @@
       </p:sp>
       <p:sp>
         <p:nvSpPr>
-          <p:cNvPr id="5" name="Нижний колонтитул 4"/>
+          <p:cNvPr id="5" name="Footer Placeholder 4">
+            <a:extLst>
+              <a:ext uri="{FF2B5EF4-FFF2-40B4-BE49-F238E27FC236}">
+                <a16:creationId xmlns:a16="http://schemas.microsoft.com/office/drawing/2014/main" xmlns="" id="{0EFC1FB9-BA07-4D4F-9EF0-1DA84D1B98F4}"/>
+              </a:ext>
+            </a:extLst>
+          </p:cNvPr>
           <p:cNvSpPr>
             <a:spLocks noGrp="1"/>
           </p:cNvSpPr>
@@ -2738,8 +3003,8 @@
         </p:nvSpPr>
         <p:spPr>
           <a:xfrm>
-            <a:off x="3124200" y="6356350"/>
-            <a:ext cx="2895600" cy="365125"/>
+            <a:off x="3028950" y="6356351"/>
+            <a:ext cx="3086100" cy="365125"/>
           </a:xfrm>
           <a:prstGeom prst="rect">
             <a:avLst/>
@@ -2749,7 +3014,7 @@
           <a:bodyPr vert="horz" lIns="91440" tIns="45720" rIns="91440" bIns="45720" rtlCol="0" anchor="ctr"/>
           <a:lstStyle>
             <a:lvl1pPr algn="ctr">
-              <a:defRPr sz="1200">
+              <a:defRPr sz="900">
                 <a:solidFill>
                   <a:schemeClr val="tx1">
                     <a:tint val="75000"/>
@@ -2765,7 +3030,13 @@
       </p:sp>
       <p:sp>
         <p:nvSpPr>
-          <p:cNvPr id="6" name="Номер слайда 5"/>
+          <p:cNvPr id="6" name="Slide Number Placeholder 5">
+            <a:extLst>
+              <a:ext uri="{FF2B5EF4-FFF2-40B4-BE49-F238E27FC236}">
+                <a16:creationId xmlns:a16="http://schemas.microsoft.com/office/drawing/2014/main" xmlns="" id="{AE403589-F2F3-2045-8B39-41873FE94A4F}"/>
+              </a:ext>
+            </a:extLst>
+          </p:cNvPr>
           <p:cNvSpPr>
             <a:spLocks noGrp="1"/>
           </p:cNvSpPr>
@@ -2775,8 +3046,8 @@
         </p:nvSpPr>
         <p:spPr>
           <a:xfrm>
-            <a:off x="6553200" y="6356350"/>
-            <a:ext cx="2133600" cy="365125"/>
+            <a:off x="6457950" y="6356351"/>
+            <a:ext cx="2057400" cy="365125"/>
           </a:xfrm>
           <a:prstGeom prst="rect">
             <a:avLst/>
@@ -2786,7 +3057,7 @@
           <a:bodyPr vert="horz" lIns="91440" tIns="45720" rIns="91440" bIns="45720" rtlCol="0" anchor="ctr"/>
           <a:lstStyle>
             <a:lvl1pPr algn="r">
-              <a:defRPr sz="1200">
+              <a:defRPr sz="900">
                 <a:solidFill>
                   <a:schemeClr val="tx1">
                     <a:tint val="75000"/>
@@ -2804,35 +3075,68 @@
           </a:p>
         </p:txBody>
       </p:sp>
+      <p:pic>
+        <p:nvPicPr>
+          <p:cNvPr id="8" name="Picture 7">
+            <a:extLst>
+              <a:ext uri="{FF2B5EF4-FFF2-40B4-BE49-F238E27FC236}">
+                <a16:creationId xmlns:a16="http://schemas.microsoft.com/office/drawing/2014/main" xmlns="" id="{4BBB452D-0902-594A-B7D5-9D29EDF62CDA}"/>
+              </a:ext>
+            </a:extLst>
+          </p:cNvPr>
+          <p:cNvPicPr>
+            <a:picLocks noChangeAspect="1"/>
+          </p:cNvPicPr>
+          <p:nvPr/>
+        </p:nvPicPr>
+        <p:blipFill>
+          <a:blip r:embed="rId13"/>
+          <a:stretch>
+            <a:fillRect/>
+          </a:stretch>
+        </p:blipFill>
+        <p:spPr>
+          <a:xfrm>
+            <a:off x="0" y="0"/>
+            <a:ext cx="9144000" cy="6858000"/>
+          </a:xfrm>
+          <a:prstGeom prst="rect">
+            <a:avLst/>
+          </a:prstGeom>
+        </p:spPr>
+      </p:pic>
     </p:spTree>
     <p:extLst>
       <p:ext uri="{BB962C8B-B14F-4D97-AF65-F5344CB8AC3E}">
-        <p14:creationId xmlns:p14="http://schemas.microsoft.com/office/powerpoint/2010/main" val="4087207540"/>
+        <p14:creationId xmlns:p14="http://schemas.microsoft.com/office/powerpoint/2010/main" val="2179240747"/>
       </p:ext>
     </p:extLst>
   </p:cSld>
   <p:clrMap bg1="lt1" tx1="dk1" bg2="lt2" tx2="dk2" accent1="accent1" accent2="accent2" accent3="accent3" accent4="accent4" accent5="accent5" accent6="accent6" hlink="hlink" folHlink="folHlink"/>
   <p:sldLayoutIdLst>
-    <p:sldLayoutId id="2147483649" r:id="rId1"/>
-    <p:sldLayoutId id="2147483650" r:id="rId2"/>
-    <p:sldLayoutId id="2147483651" r:id="rId3"/>
-    <p:sldLayoutId id="2147483652" r:id="rId4"/>
-    <p:sldLayoutId id="2147483653" r:id="rId5"/>
-    <p:sldLayoutId id="2147483654" r:id="rId6"/>
-    <p:sldLayoutId id="2147483655" r:id="rId7"/>
-    <p:sldLayoutId id="2147483656" r:id="rId8"/>
-    <p:sldLayoutId id="2147483657" r:id="rId9"/>
-    <p:sldLayoutId id="2147483658" r:id="rId10"/>
-    <p:sldLayoutId id="2147483659" r:id="rId11"/>
+    <p:sldLayoutId id="2147483661" r:id="rId1"/>
+    <p:sldLayoutId id="2147483662" r:id="rId2"/>
+    <p:sldLayoutId id="2147483663" r:id="rId3"/>
+    <p:sldLayoutId id="2147483664" r:id="rId4"/>
+    <p:sldLayoutId id="2147483665" r:id="rId5"/>
+    <p:sldLayoutId id="2147483666" r:id="rId6"/>
+    <p:sldLayoutId id="2147483667" r:id="rId7"/>
+    <p:sldLayoutId id="2147483668" r:id="rId8"/>
+    <p:sldLayoutId id="2147483669" r:id="rId9"/>
+    <p:sldLayoutId id="2147483670" r:id="rId10"/>
+    <p:sldLayoutId id="2147483671" r:id="rId11"/>
   </p:sldLayoutIdLst>
   <p:txStyles>
     <p:titleStyle>
-      <a:lvl1pPr algn="ctr" defTabSz="914400" rtl="0" eaLnBrk="1" latinLnBrk="0" hangingPunct="1">
+      <a:lvl1pPr algn="l" defTabSz="685800" rtl="0" eaLnBrk="1" latinLnBrk="0" hangingPunct="1">
+        <a:lnSpc>
+          <a:spcPct val="90000"/>
+        </a:lnSpc>
         <a:spcBef>
           <a:spcPct val="0"/>
         </a:spcBef>
         <a:buNone/>
-        <a:defRPr sz="4400" kern="1200">
+        <a:defRPr sz="3300" kern="1200">
           <a:solidFill>
             <a:schemeClr val="tx1"/>
           </a:solidFill>
@@ -2843,13 +3147,16 @@
       </a:lvl1pPr>
     </p:titleStyle>
     <p:bodyStyle>
-      <a:lvl1pPr marL="342900" indent="-342900" algn="l" defTabSz="914400" rtl="0" eaLnBrk="1" latinLnBrk="0" hangingPunct="1">
+      <a:lvl1pPr marL="171450" indent="-171450" algn="l" defTabSz="685800" rtl="0" eaLnBrk="1" latinLnBrk="0" hangingPunct="1">
+        <a:lnSpc>
+          <a:spcPct val="90000"/>
+        </a:lnSpc>
         <a:spcBef>
-          <a:spcPct val="20000"/>
+          <a:spcPts val="750"/>
         </a:spcBef>
-        <a:buFont typeface="Arial" pitchFamily="34" charset="0"/>
+        <a:buFont typeface="Arial" panose="020B0604020202020204" pitchFamily="34" charset="0"/>
         <a:buChar char="•"/>
-        <a:defRPr sz="3200" kern="1200">
+        <a:defRPr sz="2100" kern="1200">
           <a:solidFill>
             <a:schemeClr val="tx1"/>
           </a:solidFill>
@@ -2858,13 +3165,16 @@
           <a:cs typeface="+mn-cs"/>
         </a:defRPr>
       </a:lvl1pPr>
-      <a:lvl2pPr marL="742950" indent="-285750" algn="l" defTabSz="914400" rtl="0" eaLnBrk="1" latinLnBrk="0" hangingPunct="1">
+      <a:lvl2pPr marL="514350" indent="-171450" algn="l" defTabSz="685800" rtl="0" eaLnBrk="1" latinLnBrk="0" hangingPunct="1">
+        <a:lnSpc>
+          <a:spcPct val="90000"/>
+        </a:lnSpc>
         <a:spcBef>
-          <a:spcPct val="20000"/>
+          <a:spcPts val="375"/>
         </a:spcBef>
-        <a:buFont typeface="Arial" pitchFamily="34" charset="0"/>
-        <a:buChar char="–"/>
-        <a:defRPr sz="2800" kern="1200">
+        <a:buFont typeface="Arial" panose="020B0604020202020204" pitchFamily="34" charset="0"/>
+        <a:buChar char="•"/>
+        <a:defRPr sz="1800" kern="1200">
           <a:solidFill>
             <a:schemeClr val="tx1"/>
           </a:solidFill>
@@ -2873,13 +3183,16 @@
           <a:cs typeface="+mn-cs"/>
         </a:defRPr>
       </a:lvl2pPr>
-      <a:lvl3pPr marL="1143000" indent="-228600" algn="l" defTabSz="914400" rtl="0" eaLnBrk="1" latinLnBrk="0" hangingPunct="1">
+      <a:lvl3pPr marL="857250" indent="-171450" algn="l" defTabSz="685800" rtl="0" eaLnBrk="1" latinLnBrk="0" hangingPunct="1">
+        <a:lnSpc>
+          <a:spcPct val="90000"/>
+        </a:lnSpc>
         <a:spcBef>
-          <a:spcPct val="20000"/>
+          <a:spcPts val="375"/>
         </a:spcBef>
-        <a:buFont typeface="Arial" pitchFamily="34" charset="0"/>
+        <a:buFont typeface="Arial" panose="020B0604020202020204" pitchFamily="34" charset="0"/>
         <a:buChar char="•"/>
-        <a:defRPr sz="2400" kern="1200">
+        <a:defRPr sz="1500" kern="1200">
           <a:solidFill>
             <a:schemeClr val="tx1"/>
           </a:solidFill>
@@ -2888,13 +3201,16 @@
           <a:cs typeface="+mn-cs"/>
         </a:defRPr>
       </a:lvl3pPr>
-      <a:lvl4pPr marL="1600200" indent="-228600" algn="l" defTabSz="914400" rtl="0" eaLnBrk="1" latinLnBrk="0" hangingPunct="1">
+      <a:lvl4pPr marL="1200150" indent="-171450" algn="l" defTabSz="685800" rtl="0" eaLnBrk="1" latinLnBrk="0" hangingPunct="1">
+        <a:lnSpc>
+          <a:spcPct val="90000"/>
+        </a:lnSpc>
         <a:spcBef>
-          <a:spcPct val="20000"/>
+          <a:spcPts val="375"/>
         </a:spcBef>
-        <a:buFont typeface="Arial" pitchFamily="34" charset="0"/>
-        <a:buChar char="–"/>
-        <a:defRPr sz="2000" kern="1200">
+        <a:buFont typeface="Arial" panose="020B0604020202020204" pitchFamily="34" charset="0"/>
+        <a:buChar char="•"/>
+        <a:defRPr sz="1350" kern="1200">
           <a:solidFill>
             <a:schemeClr val="tx1"/>
           </a:solidFill>
@@ -2903,13 +3219,16 @@
           <a:cs typeface="+mn-cs"/>
         </a:defRPr>
       </a:lvl4pPr>
-      <a:lvl5pPr marL="2057400" indent="-228600" algn="l" defTabSz="914400" rtl="0" eaLnBrk="1" latinLnBrk="0" hangingPunct="1">
+      <a:lvl5pPr marL="1543050" indent="-171450" algn="l" defTabSz="685800" rtl="0" eaLnBrk="1" latinLnBrk="0" hangingPunct="1">
+        <a:lnSpc>
+          <a:spcPct val="90000"/>
+        </a:lnSpc>
         <a:spcBef>
-          <a:spcPct val="20000"/>
+          <a:spcPts val="375"/>
         </a:spcBef>
-        <a:buFont typeface="Arial" pitchFamily="34" charset="0"/>
-        <a:buChar char="»"/>
-        <a:defRPr sz="2000" kern="1200">
+        <a:buFont typeface="Arial" panose="020B0604020202020204" pitchFamily="34" charset="0"/>
+        <a:buChar char="•"/>
+        <a:defRPr sz="1350" kern="1200">
           <a:solidFill>
             <a:schemeClr val="tx1"/>
           </a:solidFill>
@@ -2918,13 +3237,16 @@
           <a:cs typeface="+mn-cs"/>
         </a:defRPr>
       </a:lvl5pPr>
-      <a:lvl6pPr marL="2514600" indent="-228600" algn="l" defTabSz="914400" rtl="0" eaLnBrk="1" latinLnBrk="0" hangingPunct="1">
+      <a:lvl6pPr marL="1885950" indent="-171450" algn="l" defTabSz="685800" rtl="0" eaLnBrk="1" latinLnBrk="0" hangingPunct="1">
+        <a:lnSpc>
+          <a:spcPct val="90000"/>
+        </a:lnSpc>
         <a:spcBef>
-          <a:spcPct val="20000"/>
+          <a:spcPts val="375"/>
         </a:spcBef>
-        <a:buFont typeface="Arial" pitchFamily="34" charset="0"/>
+        <a:buFont typeface="Arial" panose="020B0604020202020204" pitchFamily="34" charset="0"/>
         <a:buChar char="•"/>
-        <a:defRPr sz="2000" kern="1200">
+        <a:defRPr sz="1350" kern="1200">
           <a:solidFill>
             <a:schemeClr val="tx1"/>
           </a:solidFill>
@@ -2933,13 +3255,16 @@
           <a:cs typeface="+mn-cs"/>
         </a:defRPr>
       </a:lvl6pPr>
-      <a:lvl7pPr marL="2971800" indent="-228600" algn="l" defTabSz="914400" rtl="0" eaLnBrk="1" latinLnBrk="0" hangingPunct="1">
+      <a:lvl7pPr marL="2228850" indent="-171450" algn="l" defTabSz="685800" rtl="0" eaLnBrk="1" latinLnBrk="0" hangingPunct="1">
+        <a:lnSpc>
+          <a:spcPct val="90000"/>
+        </a:lnSpc>
         <a:spcBef>
-          <a:spcPct val="20000"/>
+          <a:spcPts val="375"/>
         </a:spcBef>
-        <a:buFont typeface="Arial" pitchFamily="34" charset="0"/>
+        <a:buFont typeface="Arial" panose="020B0604020202020204" pitchFamily="34" charset="0"/>
         <a:buChar char="•"/>
-        <a:defRPr sz="2000" kern="1200">
+        <a:defRPr sz="1350" kern="1200">
           <a:solidFill>
             <a:schemeClr val="tx1"/>
           </a:solidFill>
@@ -2948,13 +3273,16 @@
           <a:cs typeface="+mn-cs"/>
         </a:defRPr>
       </a:lvl7pPr>
-      <a:lvl8pPr marL="3429000" indent="-228600" algn="l" defTabSz="914400" rtl="0" eaLnBrk="1" latinLnBrk="0" hangingPunct="1">
+      <a:lvl8pPr marL="2571750" indent="-171450" algn="l" defTabSz="685800" rtl="0" eaLnBrk="1" latinLnBrk="0" hangingPunct="1">
+        <a:lnSpc>
+          <a:spcPct val="90000"/>
+        </a:lnSpc>
         <a:spcBef>
-          <a:spcPct val="20000"/>
+          <a:spcPts val="375"/>
         </a:spcBef>
-        <a:buFont typeface="Arial" pitchFamily="34" charset="0"/>
+        <a:buFont typeface="Arial" panose="020B0604020202020204" pitchFamily="34" charset="0"/>
         <a:buChar char="•"/>
-        <a:defRPr sz="2000" kern="1200">
+        <a:defRPr sz="1350" kern="1200">
           <a:solidFill>
             <a:schemeClr val="tx1"/>
           </a:solidFill>
@@ -2963,13 +3291,16 @@
           <a:cs typeface="+mn-cs"/>
         </a:defRPr>
       </a:lvl8pPr>
-      <a:lvl9pPr marL="3886200" indent="-228600" algn="l" defTabSz="914400" rtl="0" eaLnBrk="1" latinLnBrk="0" hangingPunct="1">
+      <a:lvl9pPr marL="2914650" indent="-171450" algn="l" defTabSz="685800" rtl="0" eaLnBrk="1" latinLnBrk="0" hangingPunct="1">
+        <a:lnSpc>
+          <a:spcPct val="90000"/>
+        </a:lnSpc>
         <a:spcBef>
-          <a:spcPct val="20000"/>
+          <a:spcPts val="375"/>
         </a:spcBef>
-        <a:buFont typeface="Arial" pitchFamily="34" charset="0"/>
+        <a:buFont typeface="Arial" panose="020B0604020202020204" pitchFamily="34" charset="0"/>
         <a:buChar char="•"/>
-        <a:defRPr sz="2000" kern="1200">
+        <a:defRPr sz="1350" kern="1200">
           <a:solidFill>
             <a:schemeClr val="tx1"/>
           </a:solidFill>
@@ -2981,10 +3312,10 @@
     </p:bodyStyle>
     <p:otherStyle>
       <a:defPPr>
-        <a:defRPr lang="ru-RU"/>
+        <a:defRPr lang="x-none"/>
       </a:defPPr>
-      <a:lvl1pPr marL="0" algn="l" defTabSz="914400" rtl="0" eaLnBrk="1" latinLnBrk="0" hangingPunct="1">
-        <a:defRPr sz="1800" kern="1200">
+      <a:lvl1pPr marL="0" algn="l" defTabSz="685800" rtl="0" eaLnBrk="1" latinLnBrk="0" hangingPunct="1">
+        <a:defRPr sz="1350" kern="1200">
           <a:solidFill>
             <a:schemeClr val="tx1"/>
           </a:solidFill>
@@ -2993,8 +3324,8 @@
           <a:cs typeface="+mn-cs"/>
         </a:defRPr>
       </a:lvl1pPr>
-      <a:lvl2pPr marL="457200" algn="l" defTabSz="914400" rtl="0" eaLnBrk="1" latinLnBrk="0" hangingPunct="1">
-        <a:defRPr sz="1800" kern="1200">
+      <a:lvl2pPr marL="342900" algn="l" defTabSz="685800" rtl="0" eaLnBrk="1" latinLnBrk="0" hangingPunct="1">
+        <a:defRPr sz="1350" kern="1200">
           <a:solidFill>
             <a:schemeClr val="tx1"/>
           </a:solidFill>
@@ -3003,8 +3334,8 @@
           <a:cs typeface="+mn-cs"/>
         </a:defRPr>
       </a:lvl2pPr>
-      <a:lvl3pPr marL="914400" algn="l" defTabSz="914400" rtl="0" eaLnBrk="1" latinLnBrk="0" hangingPunct="1">
-        <a:defRPr sz="1800" kern="1200">
+      <a:lvl3pPr marL="685800" algn="l" defTabSz="685800" rtl="0" eaLnBrk="1" latinLnBrk="0" hangingPunct="1">
+        <a:defRPr sz="1350" kern="1200">
           <a:solidFill>
             <a:schemeClr val="tx1"/>
           </a:solidFill>
@@ -3013,8 +3344,8 @@
           <a:cs typeface="+mn-cs"/>
         </a:defRPr>
       </a:lvl3pPr>
-      <a:lvl4pPr marL="1371600" algn="l" defTabSz="914400" rtl="0" eaLnBrk="1" latinLnBrk="0" hangingPunct="1">
-        <a:defRPr sz="1800" kern="1200">
+      <a:lvl4pPr marL="1028700" algn="l" defTabSz="685800" rtl="0" eaLnBrk="1" latinLnBrk="0" hangingPunct="1">
+        <a:defRPr sz="1350" kern="1200">
           <a:solidFill>
             <a:schemeClr val="tx1"/>
           </a:solidFill>
@@ -3023,8 +3354,8 @@
           <a:cs typeface="+mn-cs"/>
         </a:defRPr>
       </a:lvl4pPr>
-      <a:lvl5pPr marL="1828800" algn="l" defTabSz="914400" rtl="0" eaLnBrk="1" latinLnBrk="0" hangingPunct="1">
-        <a:defRPr sz="1800" kern="1200">
+      <a:lvl5pPr marL="1371600" algn="l" defTabSz="685800" rtl="0" eaLnBrk="1" latinLnBrk="0" hangingPunct="1">
+        <a:defRPr sz="1350" kern="1200">
           <a:solidFill>
             <a:schemeClr val="tx1"/>
           </a:solidFill>
@@ -3033,8 +3364,8 @@
           <a:cs typeface="+mn-cs"/>
         </a:defRPr>
       </a:lvl5pPr>
-      <a:lvl6pPr marL="2286000" algn="l" defTabSz="914400" rtl="0" eaLnBrk="1" latinLnBrk="0" hangingPunct="1">
-        <a:defRPr sz="1800" kern="1200">
+      <a:lvl6pPr marL="1714500" algn="l" defTabSz="685800" rtl="0" eaLnBrk="1" latinLnBrk="0" hangingPunct="1">
+        <a:defRPr sz="1350" kern="1200">
           <a:solidFill>
             <a:schemeClr val="tx1"/>
           </a:solidFill>
@@ -3043,8 +3374,8 @@
           <a:cs typeface="+mn-cs"/>
         </a:defRPr>
       </a:lvl6pPr>
-      <a:lvl7pPr marL="2743200" algn="l" defTabSz="914400" rtl="0" eaLnBrk="1" latinLnBrk="0" hangingPunct="1">
-        <a:defRPr sz="1800" kern="1200">
+      <a:lvl7pPr marL="2057400" algn="l" defTabSz="685800" rtl="0" eaLnBrk="1" latinLnBrk="0" hangingPunct="1">
+        <a:defRPr sz="1350" kern="1200">
           <a:solidFill>
             <a:schemeClr val="tx1"/>
           </a:solidFill>
@@ -3053,8 +3384,8 @@
           <a:cs typeface="+mn-cs"/>
         </a:defRPr>
       </a:lvl7pPr>
-      <a:lvl8pPr marL="3200400" algn="l" defTabSz="914400" rtl="0" eaLnBrk="1" latinLnBrk="0" hangingPunct="1">
-        <a:defRPr sz="1800" kern="1200">
+      <a:lvl8pPr marL="2400300" algn="l" defTabSz="685800" rtl="0" eaLnBrk="1" latinLnBrk="0" hangingPunct="1">
+        <a:defRPr sz="1350" kern="1200">
           <a:solidFill>
             <a:schemeClr val="tx1"/>
           </a:solidFill>
@@ -3063,8 +3394,8 @@
           <a:cs typeface="+mn-cs"/>
         </a:defRPr>
       </a:lvl8pPr>
-      <a:lvl9pPr marL="3657600" algn="l" defTabSz="914400" rtl="0" eaLnBrk="1" latinLnBrk="0" hangingPunct="1">
-        <a:defRPr sz="1800" kern="1200">
+      <a:lvl9pPr marL="2743200" algn="l" defTabSz="685800" rtl="0" eaLnBrk="1" latinLnBrk="0" hangingPunct="1">
+        <a:defRPr sz="1350" kern="1200">
           <a:solidFill>
             <a:schemeClr val="tx1"/>
           </a:solidFill>
@@ -3146,8 +3477,500 @@
 </p:sld>
 </file>
 
+<file path=ppt/slides/slide2.xml><?xml version="1.0" encoding="utf-8"?>
+<p:sld xmlns:a="http://schemas.openxmlformats.org/drawingml/2006/main" xmlns:r="http://schemas.openxmlformats.org/officeDocument/2006/relationships" xmlns:p="http://schemas.openxmlformats.org/presentationml/2006/main">
+  <p:cSld>
+    <p:spTree>
+      <p:nvGrpSpPr>
+        <p:cNvPr id="1" name=""/>
+        <p:cNvGrpSpPr/>
+        <p:nvPr/>
+      </p:nvGrpSpPr>
+      <p:grpSpPr>
+        <a:xfrm>
+          <a:off x="0" y="0"/>
+          <a:ext cx="0" cy="0"/>
+          <a:chOff x="0" y="0"/>
+          <a:chExt cx="0" cy="0"/>
+        </a:xfrm>
+      </p:grpSpPr>
+      <p:sp>
+        <p:nvSpPr>
+          <p:cNvPr id="2" name="Заголовок 1"/>
+          <p:cNvSpPr>
+            <a:spLocks noGrp="1"/>
+          </p:cNvSpPr>
+          <p:nvPr>
+            <p:ph type="title"/>
+          </p:nvPr>
+        </p:nvSpPr>
+        <p:spPr>
+          <a:xfrm>
+            <a:off x="611560" y="260648"/>
+            <a:ext cx="7831782" cy="1325563"/>
+          </a:xfrm>
+        </p:spPr>
+        <p:txBody>
+          <a:bodyPr>
+            <a:normAutofit/>
+          </a:bodyPr>
+          <a:lstStyle/>
+          <a:p>
+            <a:pPr algn="ctr"/>
+            <a:r>
+              <a:rPr lang="en-US" sz="5000" b="1" dirty="0" smtClean="0">
+                <a:latin typeface="Times New Roman" panose="02020603050405020304" pitchFamily="18" charset="0"/>
+                <a:cs typeface="Times New Roman" panose="02020603050405020304" pitchFamily="18" charset="0"/>
+              </a:rPr>
+              <a:t>WHAT IS GIT?</a:t>
+            </a:r>
+            <a:endParaRPr lang="en-US" sz="5000" b="1" dirty="0">
+              <a:latin typeface="Times New Roman" panose="02020603050405020304" pitchFamily="18" charset="0"/>
+              <a:cs typeface="Times New Roman" panose="02020603050405020304" pitchFamily="18" charset="0"/>
+            </a:endParaRPr>
+          </a:p>
+        </p:txBody>
+      </p:sp>
+      <p:pic>
+        <p:nvPicPr>
+          <p:cNvPr id="1026" name="Picture 2" descr="Основные GIT Команды"/>
+          <p:cNvPicPr>
+            <a:picLocks noGrp="1" noChangeAspect="1" noChangeArrowheads="1"/>
+          </p:cNvPicPr>
+          <p:nvPr>
+            <p:ph idx="1"/>
+          </p:nvPr>
+        </p:nvPicPr>
+        <p:blipFill>
+          <a:blip r:embed="rId2">
+            <a:extLst>
+              <a:ext uri="{28A0092B-C50C-407E-A947-70E740481C1C}">
+                <a14:useLocalDpi xmlns:a14="http://schemas.microsoft.com/office/drawing/2010/main" val="0"/>
+              </a:ext>
+            </a:extLst>
+          </a:blip>
+          <a:srcRect/>
+          <a:stretch>
+            <a:fillRect/>
+          </a:stretch>
+        </p:blipFill>
+        <p:spPr bwMode="auto">
+          <a:xfrm>
+            <a:off x="2627784" y="1620511"/>
+            <a:ext cx="4032448" cy="2509079"/>
+          </a:xfrm>
+          <a:prstGeom prst="rect">
+            <a:avLst/>
+          </a:prstGeom>
+          <a:noFill/>
+          <a:extLst>
+            <a:ext uri="{909E8E84-426E-40DD-AFC4-6F175D3DCCD1}">
+              <a14:hiddenFill xmlns:a14="http://schemas.microsoft.com/office/drawing/2010/main">
+                <a:solidFill>
+                  <a:srgbClr val="FFFFFF"/>
+                </a:solidFill>
+              </a14:hiddenFill>
+            </a:ext>
+          </a:extLst>
+        </p:spPr>
+      </p:pic>
+      <p:sp>
+        <p:nvSpPr>
+          <p:cNvPr id="4" name="TextBox 3"/>
+          <p:cNvSpPr txBox="1"/>
+          <p:nvPr/>
+        </p:nvSpPr>
+        <p:spPr>
+          <a:xfrm>
+            <a:off x="251520" y="1700808"/>
+            <a:ext cx="2088232" cy="1323439"/>
+          </a:xfrm>
+          <a:prstGeom prst="rect">
+            <a:avLst/>
+          </a:prstGeom>
+          <a:noFill/>
+        </p:spPr>
+        <p:txBody>
+          <a:bodyPr wrap="square" rtlCol="0">
+            <a:spAutoFit/>
+          </a:bodyPr>
+          <a:lstStyle/>
+          <a:p>
+            <a:r>
+              <a:rPr lang="en-US" sz="1600" dirty="0" smtClean="0">
+                <a:latin typeface="Times New Roman" panose="02020603050405020304" pitchFamily="18" charset="0"/>
+                <a:cs typeface="Times New Roman" panose="02020603050405020304" pitchFamily="18" charset="0"/>
+              </a:rPr>
+              <a:t>►</a:t>
+            </a:r>
+            <a:r>
+              <a:rPr lang="en-US" sz="1600" b="1" dirty="0" smtClean="0">
+                <a:latin typeface="Times New Roman" panose="02020603050405020304" pitchFamily="18" charset="0"/>
+                <a:cs typeface="Times New Roman" panose="02020603050405020304" pitchFamily="18" charset="0"/>
+              </a:rPr>
+              <a:t>Git</a:t>
+            </a:r>
+            <a:r>
+              <a:rPr lang="en-US" sz="1600" dirty="0" smtClean="0">
+                <a:latin typeface="Times New Roman" panose="02020603050405020304" pitchFamily="18" charset="0"/>
+                <a:cs typeface="Times New Roman" panose="02020603050405020304" pitchFamily="18" charset="0"/>
+              </a:rPr>
+              <a:t> </a:t>
+            </a:r>
+            <a:r>
+              <a:rPr lang="en-US" sz="1600" dirty="0">
+                <a:latin typeface="Times New Roman" panose="02020603050405020304" pitchFamily="18" charset="0"/>
+                <a:cs typeface="Times New Roman" panose="02020603050405020304" pitchFamily="18" charset="0"/>
+              </a:rPr>
+              <a:t>is a version control system that helps you keep track of changes in your project. </a:t>
+            </a:r>
+            <a:endParaRPr lang="en-US" sz="1600" dirty="0">
+              <a:latin typeface="Times New Roman" panose="02020603050405020304" pitchFamily="18" charset="0"/>
+              <a:cs typeface="Times New Roman" panose="02020603050405020304" pitchFamily="18" charset="0"/>
+            </a:endParaRPr>
+          </a:p>
+        </p:txBody>
+      </p:sp>
+    </p:spTree>
+    <p:extLst>
+      <p:ext uri="{BB962C8B-B14F-4D97-AF65-F5344CB8AC3E}">
+        <p14:creationId xmlns:p14="http://schemas.microsoft.com/office/powerpoint/2010/main" val="430702148"/>
+      </p:ext>
+    </p:extLst>
+  </p:cSld>
+  <p:clrMapOvr>
+    <a:masterClrMapping/>
+  </p:clrMapOvr>
+</p:sld>
+</file>
+
+<file path=ppt/slides/slide3.xml><?xml version="1.0" encoding="utf-8"?>
+<p:sld xmlns:a="http://schemas.openxmlformats.org/drawingml/2006/main" xmlns:r="http://schemas.openxmlformats.org/officeDocument/2006/relationships" xmlns:p="http://schemas.openxmlformats.org/presentationml/2006/main">
+  <p:cSld>
+    <p:spTree>
+      <p:nvGrpSpPr>
+        <p:cNvPr id="1" name=""/>
+        <p:cNvGrpSpPr/>
+        <p:nvPr/>
+      </p:nvGrpSpPr>
+      <p:grpSpPr>
+        <a:xfrm>
+          <a:off x="0" y="0"/>
+          <a:ext cx="0" cy="0"/>
+          <a:chOff x="0" y="0"/>
+          <a:chExt cx="0" cy="0"/>
+        </a:xfrm>
+      </p:grpSpPr>
+      <p:sp>
+        <p:nvSpPr>
+          <p:cNvPr id="2" name="Заголовок 1"/>
+          <p:cNvSpPr>
+            <a:spLocks noGrp="1"/>
+          </p:cNvSpPr>
+          <p:nvPr>
+            <p:ph type="title"/>
+          </p:nvPr>
+        </p:nvSpPr>
+        <p:spPr/>
+        <p:txBody>
+          <a:bodyPr/>
+          <a:lstStyle/>
+          <a:p>
+            <a:r>
+              <a:rPr lang="uk-UA" dirty="0" smtClean="0"/>
+              <a:t>Тут про команди і </a:t>
+            </a:r>
+            <a:r>
+              <a:rPr lang="uk-UA" dirty="0" err="1" smtClean="0"/>
+              <a:t>тд</a:t>
+            </a:r>
+            <a:r>
+              <a:rPr lang="uk-UA" dirty="0" smtClean="0"/>
+              <a:t>…</a:t>
+            </a:r>
+            <a:endParaRPr lang="en-US" dirty="0"/>
+          </a:p>
+        </p:txBody>
+      </p:sp>
+      <p:sp>
+        <p:nvSpPr>
+          <p:cNvPr id="3" name="Объект 2"/>
+          <p:cNvSpPr>
+            <a:spLocks noGrp="1"/>
+          </p:cNvSpPr>
+          <p:nvPr>
+            <p:ph idx="1"/>
+          </p:nvPr>
+        </p:nvSpPr>
+        <p:spPr/>
+        <p:txBody>
+          <a:bodyPr/>
+          <a:lstStyle/>
+          <a:p>
+            <a:endParaRPr lang="en-US"/>
+          </a:p>
+        </p:txBody>
+      </p:sp>
+      <p:pic>
+        <p:nvPicPr>
+          <p:cNvPr id="4098" name="Picture 2" descr="git"/>
+          <p:cNvPicPr>
+            <a:picLocks noChangeAspect="1" noChangeArrowheads="1"/>
+          </p:cNvPicPr>
+          <p:nvPr/>
+        </p:nvPicPr>
+        <p:blipFill>
+          <a:blip r:embed="rId2">
+            <a:extLst>
+              <a:ext uri="{28A0092B-C50C-407E-A947-70E740481C1C}">
+                <a14:useLocalDpi xmlns:a14="http://schemas.microsoft.com/office/drawing/2010/main" val="0"/>
+              </a:ext>
+            </a:extLst>
+          </a:blip>
+          <a:srcRect/>
+          <a:stretch>
+            <a:fillRect/>
+          </a:stretch>
+        </p:blipFill>
+        <p:spPr bwMode="auto">
+          <a:xfrm>
+            <a:off x="1475656" y="2276872"/>
+            <a:ext cx="5967636" cy="2929319"/>
+          </a:xfrm>
+          <a:prstGeom prst="rect">
+            <a:avLst/>
+          </a:prstGeom>
+          <a:noFill/>
+          <a:extLst>
+            <a:ext uri="{909E8E84-426E-40DD-AFC4-6F175D3DCCD1}">
+              <a14:hiddenFill xmlns:a14="http://schemas.microsoft.com/office/drawing/2010/main">
+                <a:solidFill>
+                  <a:srgbClr val="FFFFFF"/>
+                </a:solidFill>
+              </a14:hiddenFill>
+            </a:ext>
+          </a:extLst>
+        </p:spPr>
+      </p:pic>
+    </p:spTree>
+    <p:extLst>
+      <p:ext uri="{BB962C8B-B14F-4D97-AF65-F5344CB8AC3E}">
+        <p14:creationId xmlns:p14="http://schemas.microsoft.com/office/powerpoint/2010/main" val="3186315959"/>
+      </p:ext>
+    </p:extLst>
+  </p:cSld>
+  <p:clrMapOvr>
+    <a:masterClrMapping/>
+  </p:clrMapOvr>
+</p:sld>
+</file>
+
+<file path=ppt/slides/slide4.xml><?xml version="1.0" encoding="utf-8"?>
+<p:sld xmlns:a="http://schemas.openxmlformats.org/drawingml/2006/main" xmlns:r="http://schemas.openxmlformats.org/officeDocument/2006/relationships" xmlns:p="http://schemas.openxmlformats.org/presentationml/2006/main">
+  <p:cSld>
+    <p:spTree>
+      <p:nvGrpSpPr>
+        <p:cNvPr id="1" name=""/>
+        <p:cNvGrpSpPr/>
+        <p:nvPr/>
+      </p:nvGrpSpPr>
+      <p:grpSpPr>
+        <a:xfrm>
+          <a:off x="0" y="0"/>
+          <a:ext cx="0" cy="0"/>
+          <a:chOff x="0" y="0"/>
+          <a:chExt cx="0" cy="0"/>
+        </a:xfrm>
+      </p:grpSpPr>
+      <p:sp>
+        <p:nvSpPr>
+          <p:cNvPr id="2" name="Заголовок 1"/>
+          <p:cNvSpPr>
+            <a:spLocks noGrp="1"/>
+          </p:cNvSpPr>
+          <p:nvPr>
+            <p:ph type="title"/>
+          </p:nvPr>
+        </p:nvSpPr>
+        <p:spPr/>
+        <p:txBody>
+          <a:bodyPr/>
+          <a:lstStyle/>
+          <a:p>
+            <a:r>
+              <a:rPr lang="uk-UA" dirty="0" err="1" smtClean="0"/>
+              <a:t>Мб</a:t>
+            </a:r>
+            <a:r>
+              <a:rPr lang="uk-UA" dirty="0" smtClean="0"/>
+              <a:t> ще команди(їх багато)</a:t>
+            </a:r>
+            <a:endParaRPr lang="en-US" dirty="0"/>
+          </a:p>
+        </p:txBody>
+      </p:sp>
+      <p:sp>
+        <p:nvSpPr>
+          <p:cNvPr id="4" name="AutoShape 2" descr="A Deep Dive Into GitHub Actions. Learn about the architecture of… | by  Deborah D | Better Programming"/>
+          <p:cNvSpPr>
+            <a:spLocks noGrp="1" noChangeAspect="1" noChangeArrowheads="1"/>
+          </p:cNvSpPr>
+          <p:nvPr>
+            <p:ph idx="1"/>
+          </p:nvPr>
+        </p:nvSpPr>
+        <p:spPr bwMode="auto">
+          <a:prstGeom prst="rect">
+            <a:avLst/>
+          </a:prstGeom>
+          <a:noFill/>
+          <a:extLst>
+            <a:ext uri="{909E8E84-426E-40DD-AFC4-6F175D3DCCD1}">
+              <a14:hiddenFill xmlns:a14="http://schemas.microsoft.com/office/drawing/2010/main">
+                <a:solidFill>
+                  <a:srgbClr val="FFFFFF"/>
+                </a:solidFill>
+              </a14:hiddenFill>
+            </a:ext>
+          </a:extLst>
+        </p:spPr>
+        <p:txBody>
+          <a:bodyPr vert="horz" wrap="square" lIns="91440" tIns="45720" rIns="91440" bIns="45720" numCol="1" anchor="t" anchorCtr="0" compatLnSpc="1">
+            <a:prstTxWarp prst="textNoShape">
+              <a:avLst/>
+            </a:prstTxWarp>
+          </a:bodyPr>
+          <a:lstStyle/>
+          <a:p>
+            <a:endParaRPr lang="en-US"/>
+          </a:p>
+        </p:txBody>
+      </p:sp>
+    </p:spTree>
+    <p:extLst>
+      <p:ext uri="{BB962C8B-B14F-4D97-AF65-F5344CB8AC3E}">
+        <p14:creationId xmlns:p14="http://schemas.microsoft.com/office/powerpoint/2010/main" val="4243718983"/>
+      </p:ext>
+    </p:extLst>
+  </p:cSld>
+  <p:clrMapOvr>
+    <a:masterClrMapping/>
+  </p:clrMapOvr>
+</p:sld>
+</file>
+
+<file path=ppt/slides/slide5.xml><?xml version="1.0" encoding="utf-8"?>
+<p:sld xmlns:a="http://schemas.openxmlformats.org/drawingml/2006/main" xmlns:r="http://schemas.openxmlformats.org/officeDocument/2006/relationships" xmlns:p="http://schemas.openxmlformats.org/presentationml/2006/main">
+  <p:cSld>
+    <p:spTree>
+      <p:nvGrpSpPr>
+        <p:cNvPr id="1" name=""/>
+        <p:cNvGrpSpPr/>
+        <p:nvPr/>
+      </p:nvGrpSpPr>
+      <p:grpSpPr>
+        <a:xfrm>
+          <a:off x="0" y="0"/>
+          <a:ext cx="0" cy="0"/>
+          <a:chOff x="0" y="0"/>
+          <a:chExt cx="0" cy="0"/>
+        </a:xfrm>
+      </p:grpSpPr>
+      <p:sp>
+        <p:nvSpPr>
+          <p:cNvPr id="2" name="Заголовок 1"/>
+          <p:cNvSpPr>
+            <a:spLocks noGrp="1"/>
+          </p:cNvSpPr>
+          <p:nvPr>
+            <p:ph type="title"/>
+          </p:nvPr>
+        </p:nvSpPr>
+        <p:spPr>
+          <a:xfrm>
+            <a:off x="755576" y="591269"/>
+            <a:ext cx="7886700" cy="1325563"/>
+          </a:xfrm>
+        </p:spPr>
+        <p:txBody>
+          <a:bodyPr>
+            <a:normAutofit/>
+          </a:bodyPr>
+          <a:lstStyle/>
+          <a:p>
+            <a:pPr algn="ctr"/>
+            <a:r>
+              <a:rPr lang="en-US" sz="3500" b="1" dirty="0" smtClean="0">
+                <a:latin typeface="Times New Roman" panose="02020603050405020304" pitchFamily="18" charset="0"/>
+                <a:cs typeface="Times New Roman" panose="02020603050405020304" pitchFamily="18" charset="0"/>
+              </a:rPr>
+              <a:t>OUR CHOICE IS GitHub</a:t>
+            </a:r>
+            <a:endParaRPr lang="en-US" sz="3500" b="1" dirty="0">
+              <a:latin typeface="Times New Roman" panose="02020603050405020304" pitchFamily="18" charset="0"/>
+              <a:cs typeface="Times New Roman" panose="02020603050405020304" pitchFamily="18" charset="0"/>
+            </a:endParaRPr>
+          </a:p>
+        </p:txBody>
+      </p:sp>
+      <p:pic>
+        <p:nvPicPr>
+          <p:cNvPr id="2056" name="Picture 8" descr="GitHub откажется от аутентификации по логину и паролю"/>
+          <p:cNvPicPr>
+            <a:picLocks noGrp="1" noChangeAspect="1" noChangeArrowheads="1"/>
+          </p:cNvPicPr>
+          <p:nvPr>
+            <p:ph idx="1"/>
+          </p:nvPr>
+        </p:nvPicPr>
+        <p:blipFill>
+          <a:blip r:embed="rId2" cstate="print">
+            <a:extLst>
+              <a:ext uri="{28A0092B-C50C-407E-A947-70E740481C1C}">
+                <a14:useLocalDpi xmlns:a14="http://schemas.microsoft.com/office/drawing/2010/main" val="0"/>
+              </a:ext>
+            </a:extLst>
+          </a:blip>
+          <a:srcRect/>
+          <a:stretch>
+            <a:fillRect/>
+          </a:stretch>
+        </p:blipFill>
+        <p:spPr bwMode="auto">
+          <a:xfrm>
+            <a:off x="3403745" y="2204864"/>
+            <a:ext cx="2590361" cy="1936295"/>
+          </a:xfrm>
+          <a:prstGeom prst="rect">
+            <a:avLst/>
+          </a:prstGeom>
+          <a:noFill/>
+          <a:extLst>
+            <a:ext uri="{909E8E84-426E-40DD-AFC4-6F175D3DCCD1}">
+              <a14:hiddenFill xmlns:a14="http://schemas.microsoft.com/office/drawing/2010/main">
+                <a:solidFill>
+                  <a:srgbClr val="FFFFFF"/>
+                </a:solidFill>
+              </a14:hiddenFill>
+            </a:ext>
+          </a:extLst>
+        </p:spPr>
+      </p:pic>
+    </p:spTree>
+    <p:extLst>
+      <p:ext uri="{BB962C8B-B14F-4D97-AF65-F5344CB8AC3E}">
+        <p14:creationId xmlns:p14="http://schemas.microsoft.com/office/powerpoint/2010/main" val="3363667302"/>
+      </p:ext>
+    </p:extLst>
+  </p:cSld>
+  <p:clrMapOvr>
+    <a:masterClrMapping/>
+  </p:clrMapOvr>
+</p:sld>
+</file>
+
 <file path=ppt/theme/theme1.xml><?xml version="1.0" encoding="utf-8"?>
-<a:theme xmlns:a="http://schemas.openxmlformats.org/drawingml/2006/main" name="Тема Office">
+<a:theme xmlns:a="http://schemas.openxmlformats.org/drawingml/2006/main" name="powerpointbase.com-1015">
   <a:themeElements>
     <a:clrScheme name="Стандартная">
       <a:dk1>
@@ -3157,44 +3980,44 @@
         <a:sysClr val="window" lastClr="FFFFFF"/>
       </a:lt1>
       <a:dk2>
-        <a:srgbClr val="1F497D"/>
+        <a:srgbClr val="44546A"/>
       </a:dk2>
       <a:lt2>
-        <a:srgbClr val="EEECE1"/>
+        <a:srgbClr val="E7E6E6"/>
       </a:lt2>
       <a:accent1>
-        <a:srgbClr val="4F81BD"/>
+        <a:srgbClr val="4472C4"/>
       </a:accent1>
       <a:accent2>
-        <a:srgbClr val="C0504D"/>
+        <a:srgbClr val="ED7D31"/>
       </a:accent2>
       <a:accent3>
-        <a:srgbClr val="9BBB59"/>
+        <a:srgbClr val="A5A5A5"/>
       </a:accent3>
       <a:accent4>
-        <a:srgbClr val="8064A2"/>
+        <a:srgbClr val="FFC000"/>
       </a:accent4>
       <a:accent5>
-        <a:srgbClr val="4BACC6"/>
+        <a:srgbClr val="5B9BD5"/>
       </a:accent5>
       <a:accent6>
-        <a:srgbClr val="F79646"/>
+        <a:srgbClr val="70AD47"/>
       </a:accent6>
       <a:hlink>
-        <a:srgbClr val="0000FF"/>
+        <a:srgbClr val="0563C1"/>
       </a:hlink>
       <a:folHlink>
-        <a:srgbClr val="800080"/>
+        <a:srgbClr val="954F72"/>
       </a:folHlink>
     </a:clrScheme>
     <a:fontScheme name="Стандартная">
       <a:majorFont>
-        <a:latin typeface="Calibri"/>
+        <a:latin typeface="Calibri Light" panose="020F0302020204030204"/>
         <a:ea typeface=""/>
         <a:cs typeface=""/>
-        <a:font script="Jpan" typeface="ＭＳ Ｐゴシック"/>
+        <a:font script="Jpan" typeface="游ゴシック Light"/>
         <a:font script="Hang" typeface="맑은 고딕"/>
-        <a:font script="Hans" typeface="宋体"/>
+        <a:font script="Hans" typeface="等线 Light"/>
         <a:font script="Hant" typeface="新細明體"/>
         <a:font script="Arab" typeface="Times New Roman"/>
         <a:font script="Hebr" typeface="Times New Roman"/>
@@ -3222,14 +4045,31 @@
         <a:font script="Viet" typeface="Times New Roman"/>
         <a:font script="Uigh" typeface="Microsoft Uighur"/>
         <a:font script="Geor" typeface="Sylfaen"/>
+        <a:font script="Armn" typeface="Arial"/>
+        <a:font script="Bugi" typeface="Leelawadee UI"/>
+        <a:font script="Bopo" typeface="Microsoft JhengHei"/>
+        <a:font script="Java" typeface="Javanese Text"/>
+        <a:font script="Lisu" typeface="Segoe UI"/>
+        <a:font script="Mymr" typeface="Myanmar Text"/>
+        <a:font script="Nkoo" typeface="Ebrima"/>
+        <a:font script="Olck" typeface="Nirmala UI"/>
+        <a:font script="Osma" typeface="Ebrima"/>
+        <a:font script="Phag" typeface="Phagspa"/>
+        <a:font script="Syrn" typeface="Estrangelo Edessa"/>
+        <a:font script="Syrj" typeface="Estrangelo Edessa"/>
+        <a:font script="Syre" typeface="Estrangelo Edessa"/>
+        <a:font script="Sora" typeface="Nirmala UI"/>
+        <a:font script="Tale" typeface="Microsoft Tai Le"/>
+        <a:font script="Talu" typeface="Microsoft New Tai Lue"/>
+        <a:font script="Tfng" typeface="Ebrima"/>
       </a:majorFont>
       <a:minorFont>
-        <a:latin typeface="Calibri"/>
+        <a:latin typeface="Calibri" panose="020F0502020204030204"/>
         <a:ea typeface=""/>
         <a:cs typeface=""/>
-        <a:font script="Jpan" typeface="ＭＳ Ｐゴシック"/>
+        <a:font script="Jpan" typeface="游ゴシック"/>
         <a:font script="Hang" typeface="맑은 고딕"/>
-        <a:font script="Hans" typeface="宋体"/>
+        <a:font script="Hans" typeface="等线"/>
         <a:font script="Hant" typeface="新細明體"/>
         <a:font script="Arab" typeface="Arial"/>
         <a:font script="Hebr" typeface="Arial"/>
@@ -3257,6 +4097,23 @@
         <a:font script="Viet" typeface="Arial"/>
         <a:font script="Uigh" typeface="Microsoft Uighur"/>
         <a:font script="Geor" typeface="Sylfaen"/>
+        <a:font script="Armn" typeface="Arial"/>
+        <a:font script="Bugi" typeface="Leelawadee UI"/>
+        <a:font script="Bopo" typeface="Microsoft JhengHei"/>
+        <a:font script="Java" typeface="Javanese Text"/>
+        <a:font script="Lisu" typeface="Segoe UI"/>
+        <a:font script="Mymr" typeface="Myanmar Text"/>
+        <a:font script="Nkoo" typeface="Ebrima"/>
+        <a:font script="Olck" typeface="Nirmala UI"/>
+        <a:font script="Osma" typeface="Ebrima"/>
+        <a:font script="Phag" typeface="Phagspa"/>
+        <a:font script="Syrn" typeface="Estrangelo Edessa"/>
+        <a:font script="Syrj" typeface="Estrangelo Edessa"/>
+        <a:font script="Syre" typeface="Estrangelo Edessa"/>
+        <a:font script="Sora" typeface="Nirmala UI"/>
+        <a:font script="Tale" typeface="Microsoft Tai Le"/>
+        <a:font script="Talu" typeface="Microsoft New Tai Lue"/>
+        <a:font script="Tfng" typeface="Ebrima"/>
       </a:minorFont>
     </a:fontScheme>
     <a:fmtScheme name="Стандартная">
@@ -3268,165 +4125,141 @@
           <a:gsLst>
             <a:gs pos="0">
               <a:schemeClr val="phClr">
-                <a:tint val="50000"/>
-                <a:satMod val="300000"/>
+                <a:lumMod val="110000"/>
+                <a:satMod val="105000"/>
+                <a:tint val="67000"/>
               </a:schemeClr>
             </a:gs>
-            <a:gs pos="35000">
+            <a:gs pos="50000">
               <a:schemeClr val="phClr">
-                <a:tint val="37000"/>
-                <a:satMod val="300000"/>
+                <a:lumMod val="105000"/>
+                <a:satMod val="103000"/>
+                <a:tint val="73000"/>
               </a:schemeClr>
             </a:gs>
             <a:gs pos="100000">
               <a:schemeClr val="phClr">
-                <a:tint val="15000"/>
-                <a:satMod val="350000"/>
+                <a:lumMod val="105000"/>
+                <a:satMod val="109000"/>
+                <a:tint val="81000"/>
               </a:schemeClr>
             </a:gs>
           </a:gsLst>
-          <a:lin ang="16200000" scaled="1"/>
+          <a:lin ang="5400000" scaled="0"/>
         </a:gradFill>
         <a:gradFill rotWithShape="1">
           <a:gsLst>
             <a:gs pos="0">
               <a:schemeClr val="phClr">
-                <a:shade val="51000"/>
-                <a:satMod val="130000"/>
+                <a:satMod val="103000"/>
+                <a:lumMod val="102000"/>
+                <a:tint val="94000"/>
               </a:schemeClr>
             </a:gs>
-            <a:gs pos="80000">
+            <a:gs pos="50000">
               <a:schemeClr val="phClr">
-                <a:shade val="93000"/>
-                <a:satMod val="130000"/>
+                <a:satMod val="110000"/>
+                <a:lumMod val="100000"/>
+                <a:shade val="100000"/>
               </a:schemeClr>
             </a:gs>
             <a:gs pos="100000">
               <a:schemeClr val="phClr">
-                <a:shade val="94000"/>
-                <a:satMod val="135000"/>
+                <a:lumMod val="99000"/>
+                <a:satMod val="120000"/>
+                <a:shade val="78000"/>
               </a:schemeClr>
             </a:gs>
           </a:gsLst>
-          <a:lin ang="16200000" scaled="0"/>
+          <a:lin ang="5400000" scaled="0"/>
         </a:gradFill>
       </a:fillStyleLst>
       <a:lnStyleLst>
-        <a:ln w="9525" cap="flat" cmpd="sng" algn="ctr">
-          <a:solidFill>
-            <a:schemeClr val="phClr">
-              <a:shade val="95000"/>
-              <a:satMod val="105000"/>
-            </a:schemeClr>
-          </a:solidFill>
-          <a:prstDash val="solid"/>
-        </a:ln>
-        <a:ln w="25400" cap="flat" cmpd="sng" algn="ctr">
+        <a:ln w="6350" cap="flat" cmpd="sng" algn="ctr">
           <a:solidFill>
             <a:schemeClr val="phClr"/>
           </a:solidFill>
           <a:prstDash val="solid"/>
+          <a:miter lim="800000"/>
         </a:ln>
-        <a:ln w="38100" cap="flat" cmpd="sng" algn="ctr">
+        <a:ln w="12700" cap="flat" cmpd="sng" algn="ctr">
           <a:solidFill>
             <a:schemeClr val="phClr"/>
           </a:solidFill>
           <a:prstDash val="solid"/>
+          <a:miter lim="800000"/>
+        </a:ln>
+        <a:ln w="19050" cap="flat" cmpd="sng" algn="ctr">
+          <a:solidFill>
+            <a:schemeClr val="phClr"/>
+          </a:solidFill>
+          <a:prstDash val="solid"/>
+          <a:miter lim="800000"/>
         </a:ln>
       </a:lnStyleLst>
       <a:effectStyleLst>
         <a:effectStyle>
+          <a:effectLst/>
+        </a:effectStyle>
+        <a:effectStyle>
+          <a:effectLst/>
+        </a:effectStyle>
+        <a:effectStyle>
           <a:effectLst>
-            <a:outerShdw blurRad="40000" dist="20000" dir="5400000" rotWithShape="0">
+            <a:outerShdw blurRad="57150" dist="19050" dir="5400000" algn="ctr" rotWithShape="0">
               <a:srgbClr val="000000">
-                <a:alpha val="38000"/>
+                <a:alpha val="63000"/>
               </a:srgbClr>
             </a:outerShdw>
           </a:effectLst>
-        </a:effectStyle>
-        <a:effectStyle>
-          <a:effectLst>
-            <a:outerShdw blurRad="40000" dist="23000" dir="5400000" rotWithShape="0">
-              <a:srgbClr val="000000">
-                <a:alpha val="35000"/>
-              </a:srgbClr>
-            </a:outerShdw>
-          </a:effectLst>
-        </a:effectStyle>
-        <a:effectStyle>
-          <a:effectLst>
-            <a:outerShdw blurRad="40000" dist="23000" dir="5400000" rotWithShape="0">
-              <a:srgbClr val="000000">
-                <a:alpha val="35000"/>
-              </a:srgbClr>
-            </a:outerShdw>
-          </a:effectLst>
-          <a:scene3d>
-            <a:camera prst="orthographicFront">
-              <a:rot lat="0" lon="0" rev="0"/>
-            </a:camera>
-            <a:lightRig rig="threePt" dir="t">
-              <a:rot lat="0" lon="0" rev="1200000"/>
-            </a:lightRig>
-          </a:scene3d>
-          <a:sp3d>
-            <a:bevelT w="63500" h="25400"/>
-          </a:sp3d>
         </a:effectStyle>
       </a:effectStyleLst>
       <a:bgFillStyleLst>
         <a:solidFill>
           <a:schemeClr val="phClr"/>
         </a:solidFill>
+        <a:solidFill>
+          <a:schemeClr val="phClr">
+            <a:tint val="95000"/>
+            <a:satMod val="170000"/>
+          </a:schemeClr>
+        </a:solidFill>
         <a:gradFill rotWithShape="1">
           <a:gsLst>
             <a:gs pos="0">
               <a:schemeClr val="phClr">
-                <a:tint val="40000"/>
-                <a:satMod val="350000"/>
+                <a:tint val="93000"/>
+                <a:satMod val="150000"/>
+                <a:shade val="98000"/>
+                <a:lumMod val="102000"/>
               </a:schemeClr>
             </a:gs>
-            <a:gs pos="40000">
+            <a:gs pos="50000">
               <a:schemeClr val="phClr">
-                <a:tint val="45000"/>
-                <a:shade val="99000"/>
-                <a:satMod val="350000"/>
+                <a:tint val="98000"/>
+                <a:satMod val="130000"/>
+                <a:shade val="90000"/>
+                <a:lumMod val="103000"/>
               </a:schemeClr>
             </a:gs>
             <a:gs pos="100000">
               <a:schemeClr val="phClr">
-                <a:shade val="20000"/>
-                <a:satMod val="255000"/>
+                <a:shade val="63000"/>
+                <a:satMod val="120000"/>
               </a:schemeClr>
             </a:gs>
           </a:gsLst>
-          <a:path path="circle">
-            <a:fillToRect l="50000" t="-80000" r="50000" b="180000"/>
-          </a:path>
-        </a:gradFill>
-        <a:gradFill rotWithShape="1">
-          <a:gsLst>
-            <a:gs pos="0">
-              <a:schemeClr val="phClr">
-                <a:tint val="80000"/>
-                <a:satMod val="300000"/>
-              </a:schemeClr>
-            </a:gs>
-            <a:gs pos="100000">
-              <a:schemeClr val="phClr">
-                <a:shade val="30000"/>
-                <a:satMod val="200000"/>
-              </a:schemeClr>
-            </a:gs>
-          </a:gsLst>
-          <a:path path="circle">
-            <a:fillToRect l="50000" t="50000" r="50000" b="50000"/>
-          </a:path>
+          <a:lin ang="5400000" scaled="0"/>
         </a:gradFill>
       </a:bgFillStyleLst>
     </a:fmtScheme>
   </a:themeElements>
   <a:objectDefaults/>
   <a:extraClrSchemeLst/>
+  <a:extLst>
+    <a:ext uri="{05A4C25C-085E-4340-85A3-A5531E510DB2}">
+      <thm15:themeFamily xmlns:thm15="http://schemas.microsoft.com/office/thememl/2012/main" name="Office Theme" id="{62F939B6-93AF-4DB8-9C6B-D6C7DFDC589F}" vid="{4A3C46E8-61CC-4603-A589-7422A47A8E4A}"/>
+    </a:ext>
+  </a:extLst>
 </a:theme>
 </file>